--- a/presentation - Sales.pptx
+++ b/presentation - Sales.pptx
@@ -6,10 +6,10 @@
     <p:sldMasterId id="2147483891" r:id="rId5"/>
   </p:sldMasterIdLst>
   <p:notesMasterIdLst>
-    <p:notesMasterId r:id="rId12"/>
+    <p:notesMasterId r:id="rId19"/>
   </p:notesMasterIdLst>
   <p:handoutMasterIdLst>
-    <p:handoutMasterId r:id="rId13"/>
+    <p:handoutMasterId r:id="rId20"/>
   </p:handoutMasterIdLst>
   <p:sldIdLst>
     <p:sldId id="260" r:id="rId6"/>
@@ -18,6 +18,13 @@
     <p:sldId id="267" r:id="rId9"/>
     <p:sldId id="266" r:id="rId10"/>
     <p:sldId id="268" r:id="rId11"/>
+    <p:sldId id="273" r:id="rId12"/>
+    <p:sldId id="269" r:id="rId13"/>
+    <p:sldId id="270" r:id="rId14"/>
+    <p:sldId id="271" r:id="rId15"/>
+    <p:sldId id="272" r:id="rId16"/>
+    <p:sldId id="275" r:id="rId17"/>
+    <p:sldId id="274" r:id="rId18"/>
   </p:sldIdLst>
   <p:sldSz cx="9144000" cy="5143500" type="screen16x9"/>
   <p:notesSz cx="7315200" cy="9601200"/>
@@ -270,7 +277,7 @@
             <a:fld id="{05E48B40-F575-F045-AF98-7241656AD336}" type="datetimeFigureOut">
               <a:rPr lang="en-US" smtClean="0"/>
               <a:pPr/>
-              <a:t>4/1/2018</a:t>
+              <a:t>4/2/18</a:t>
             </a:fld>
             <a:endParaRPr lang="en-US"/>
           </a:p>
@@ -437,7 +444,7 @@
             <a:fld id="{5503108B-28A2-4A1F-97E4-23F53BEF9B1F}" type="datetimeFigureOut">
               <a:rPr lang="en-US" smtClean="0"/>
               <a:pPr/>
-              <a:t>4/1/2018</a:t>
+              <a:t>4/2/18</a:t>
             </a:fld>
             <a:endParaRPr lang="en-US"/>
           </a:p>
@@ -501,38 +508,37 @@
           <a:p>
             <a:pPr lvl="0"/>
             <a:r>
-              <a:rPr lang="en-US" smtClean="0"/>
+              <a:rPr lang="en-US"/>
               <a:t>Click to edit Master text styles</a:t>
             </a:r>
           </a:p>
           <a:p>
             <a:pPr lvl="1"/>
             <a:r>
-              <a:rPr lang="en-US" smtClean="0"/>
+              <a:rPr lang="en-US"/>
               <a:t>Second level</a:t>
             </a:r>
           </a:p>
           <a:p>
             <a:pPr lvl="2"/>
             <a:r>
-              <a:rPr lang="en-US" smtClean="0"/>
+              <a:rPr lang="en-US"/>
               <a:t>Third level</a:t>
             </a:r>
           </a:p>
           <a:p>
             <a:pPr lvl="3"/>
             <a:r>
-              <a:rPr lang="en-US" smtClean="0"/>
+              <a:rPr lang="en-US"/>
               <a:t>Fourth level</a:t>
             </a:r>
           </a:p>
           <a:p>
             <a:pPr lvl="4"/>
             <a:r>
-              <a:rPr lang="en-US" smtClean="0"/>
+              <a:rPr lang="en-US"/>
               <a:t>Fifth level</a:t>
             </a:r>
-            <a:endParaRPr lang="en-US"/>
           </a:p>
         </p:txBody>
       </p:sp>
@@ -791,6 +797,176 @@
 </p:notes>
 </file>
 
+<file path=ppt/notesSlides/notesSlide2.xml><?xml version="1.0" encoding="utf-8"?>
+<p:notes xmlns:a="http://schemas.openxmlformats.org/drawingml/2006/main" xmlns:r="http://schemas.openxmlformats.org/officeDocument/2006/relationships" xmlns:p="http://schemas.openxmlformats.org/presentationml/2006/main">
+  <p:cSld>
+    <p:spTree>
+      <p:nvGrpSpPr>
+        <p:cNvPr id="1" name=""/>
+        <p:cNvGrpSpPr/>
+        <p:nvPr/>
+      </p:nvGrpSpPr>
+      <p:grpSpPr>
+        <a:xfrm>
+          <a:off x="0" y="0"/>
+          <a:ext cx="0" cy="0"/>
+          <a:chOff x="0" y="0"/>
+          <a:chExt cx="0" cy="0"/>
+        </a:xfrm>
+      </p:grpSpPr>
+      <p:sp>
+        <p:nvSpPr>
+          <p:cNvPr id="2" name="Slide Image Placeholder 1"/>
+          <p:cNvSpPr>
+            <a:spLocks noGrp="1" noRot="1" noChangeAspect="1"/>
+          </p:cNvSpPr>
+          <p:nvPr>
+            <p:ph type="sldImg"/>
+          </p:nvPr>
+        </p:nvSpPr>
+        <p:spPr/>
+      </p:sp>
+      <p:sp>
+        <p:nvSpPr>
+          <p:cNvPr id="3" name="Notes Placeholder 2"/>
+          <p:cNvSpPr>
+            <a:spLocks noGrp="1"/>
+          </p:cNvSpPr>
+          <p:nvPr>
+            <p:ph type="body" idx="1"/>
+          </p:nvPr>
+        </p:nvSpPr>
+        <p:spPr/>
+        <p:txBody>
+          <a:bodyPr/>
+          <a:lstStyle/>
+          <a:p>
+            <a:endParaRPr lang="en-US"/>
+          </a:p>
+        </p:txBody>
+      </p:sp>
+      <p:sp>
+        <p:nvSpPr>
+          <p:cNvPr id="4" name="Slide Number Placeholder 3"/>
+          <p:cNvSpPr>
+            <a:spLocks noGrp="1"/>
+          </p:cNvSpPr>
+          <p:nvPr>
+            <p:ph type="sldNum" sz="quarter" idx="10"/>
+          </p:nvPr>
+        </p:nvSpPr>
+        <p:spPr/>
+        <p:txBody>
+          <a:bodyPr/>
+          <a:lstStyle/>
+          <a:p>
+            <a:fld id="{1A47E64D-F0A2-43B3-B0BA-78A854B03B27}" type="slidenum">
+              <a:rPr lang="en-US" smtClean="0"/>
+              <a:pPr/>
+              <a:t>11</a:t>
+            </a:fld>
+            <a:endParaRPr lang="en-US"/>
+          </a:p>
+        </p:txBody>
+      </p:sp>
+    </p:spTree>
+    <p:extLst>
+      <p:ext uri="{BB962C8B-B14F-4D97-AF65-F5344CB8AC3E}">
+        <p14:creationId xmlns:p14="http://schemas.microsoft.com/office/powerpoint/2010/main" val="548388797"/>
+      </p:ext>
+    </p:extLst>
+  </p:cSld>
+  <p:clrMapOvr>
+    <a:masterClrMapping/>
+  </p:clrMapOvr>
+</p:notes>
+</file>
+
+<file path=ppt/notesSlides/notesSlide3.xml><?xml version="1.0" encoding="utf-8"?>
+<p:notes xmlns:a="http://schemas.openxmlformats.org/drawingml/2006/main" xmlns:r="http://schemas.openxmlformats.org/officeDocument/2006/relationships" xmlns:p="http://schemas.openxmlformats.org/presentationml/2006/main">
+  <p:cSld>
+    <p:spTree>
+      <p:nvGrpSpPr>
+        <p:cNvPr id="1" name=""/>
+        <p:cNvGrpSpPr/>
+        <p:nvPr/>
+      </p:nvGrpSpPr>
+      <p:grpSpPr>
+        <a:xfrm>
+          <a:off x="0" y="0"/>
+          <a:ext cx="0" cy="0"/>
+          <a:chOff x="0" y="0"/>
+          <a:chExt cx="0" cy="0"/>
+        </a:xfrm>
+      </p:grpSpPr>
+      <p:sp>
+        <p:nvSpPr>
+          <p:cNvPr id="2" name="Slide Image Placeholder 1"/>
+          <p:cNvSpPr>
+            <a:spLocks noGrp="1" noRot="1" noChangeAspect="1"/>
+          </p:cNvSpPr>
+          <p:nvPr>
+            <p:ph type="sldImg"/>
+          </p:nvPr>
+        </p:nvSpPr>
+        <p:spPr/>
+      </p:sp>
+      <p:sp>
+        <p:nvSpPr>
+          <p:cNvPr id="3" name="Notes Placeholder 2"/>
+          <p:cNvSpPr>
+            <a:spLocks noGrp="1"/>
+          </p:cNvSpPr>
+          <p:nvPr>
+            <p:ph type="body" idx="1"/>
+          </p:nvPr>
+        </p:nvSpPr>
+        <p:spPr/>
+        <p:txBody>
+          <a:bodyPr/>
+          <a:lstStyle/>
+          <a:p>
+            <a:endParaRPr lang="en-US"/>
+          </a:p>
+        </p:txBody>
+      </p:sp>
+      <p:sp>
+        <p:nvSpPr>
+          <p:cNvPr id="4" name="Slide Number Placeholder 3"/>
+          <p:cNvSpPr>
+            <a:spLocks noGrp="1"/>
+          </p:cNvSpPr>
+          <p:nvPr>
+            <p:ph type="sldNum" sz="quarter" idx="10"/>
+          </p:nvPr>
+        </p:nvSpPr>
+        <p:spPr/>
+        <p:txBody>
+          <a:bodyPr/>
+          <a:lstStyle/>
+          <a:p>
+            <a:fld id="{1A47E64D-F0A2-43B3-B0BA-78A854B03B27}" type="slidenum">
+              <a:rPr lang="en-US" smtClean="0"/>
+              <a:pPr/>
+              <a:t>12</a:t>
+            </a:fld>
+            <a:endParaRPr lang="en-US"/>
+          </a:p>
+        </p:txBody>
+      </p:sp>
+    </p:spTree>
+    <p:extLst>
+      <p:ext uri="{BB962C8B-B14F-4D97-AF65-F5344CB8AC3E}">
+        <p14:creationId xmlns:p14="http://schemas.microsoft.com/office/powerpoint/2010/main" val="3691555057"/>
+      </p:ext>
+    </p:extLst>
+  </p:cSld>
+  <p:clrMapOvr>
+    <a:masterClrMapping/>
+  </p:clrMapOvr>
+</p:notes>
+</file>
+
 <file path=ppt/slideLayouts/slideLayout1.xml><?xml version="1.0" encoding="utf-8"?>
 <p:sldLayout xmlns:a="http://schemas.openxmlformats.org/drawingml/2006/main" xmlns:r="http://schemas.openxmlformats.org/officeDocument/2006/relationships" xmlns:p="http://schemas.openxmlformats.org/presentationml/2006/main" showMasterSp="0" preserve="1" userDrawn="1">
   <p:cSld name="4_Title Blue Back">
@@ -1109,10 +1285,9 @@
           </a:lstStyle>
           <a:p>
             <a:r>
-              <a:rPr lang="en-US" dirty="0" smtClean="0"/>
+              <a:rPr lang="en-US" dirty="0"/>
               <a:t>Click to edit Master title style</a:t>
             </a:r>
-            <a:endParaRPr lang="en-US" dirty="0"/>
           </a:p>
         </p:txBody>
       </p:sp>
@@ -1181,10 +1356,9 @@
           </a:lstStyle>
           <a:p>
             <a:r>
-              <a:rPr lang="en-US" dirty="0" smtClean="0"/>
+              <a:rPr lang="en-US" dirty="0"/>
               <a:t>Click to edit Master subtitle style</a:t>
             </a:r>
-            <a:endParaRPr lang="en-US" dirty="0"/>
           </a:p>
         </p:txBody>
       </p:sp>
@@ -1238,7 +1412,7 @@
           <a:p>
             <a:pPr lvl="0"/>
             <a:r>
-              <a:rPr lang="en-US" dirty="0" smtClean="0"/>
+              <a:rPr lang="en-US" dirty="0"/>
               <a:t>Click to edit Master text styles</a:t>
             </a:r>
           </a:p>
@@ -1257,13 +1431,6 @@
   <p:transition>
     <p:fade/>
   </p:transition>
-  <p:timing>
-    <p:tnLst>
-      <p:par>
-        <p:cTn id="1" dur="indefinite" restart="never" nodeType="tmRoot"/>
-      </p:par>
-    </p:tnLst>
-  </p:timing>
 </p:sldLayout>
 </file>
 
@@ -1311,10 +1478,9 @@
           </a:lstStyle>
           <a:p>
             <a:r>
-              <a:rPr lang="en-US" dirty="0" smtClean="0"/>
+              <a:rPr lang="en-US" dirty="0"/>
               <a:t>Click to edit Master title style</a:t>
             </a:r>
-            <a:endParaRPr lang="en-US" dirty="0"/>
           </a:p>
         </p:txBody>
       </p:sp>
@@ -1431,7 +1597,7 @@
           <a:p>
             <a:pPr lvl="0"/>
             <a:r>
-              <a:rPr lang="en-US" dirty="0" smtClean="0"/>
+              <a:rPr lang="en-US" dirty="0"/>
               <a:t>Click to edit Master text styles</a:t>
             </a:r>
           </a:p>
@@ -1532,10 +1698,9 @@
           </a:lstStyle>
           <a:p>
             <a:r>
-              <a:rPr lang="en-US" dirty="0" smtClean="0"/>
+              <a:rPr lang="en-US" dirty="0"/>
               <a:t>Click to edit Master title style</a:t>
             </a:r>
-            <a:endParaRPr lang="en-US" dirty="0"/>
           </a:p>
         </p:txBody>
       </p:sp>
@@ -1644,38 +1809,37 @@
           <a:p>
             <a:pPr lvl="0"/>
             <a:r>
-              <a:rPr lang="en-US" dirty="0" smtClean="0"/>
+              <a:rPr lang="en-US" dirty="0"/>
               <a:t>Click to edit Master text styles</a:t>
             </a:r>
           </a:p>
           <a:p>
             <a:pPr lvl="1"/>
             <a:r>
-              <a:rPr lang="en-US" dirty="0" smtClean="0"/>
+              <a:rPr lang="en-US" dirty="0"/>
               <a:t>Second level</a:t>
             </a:r>
           </a:p>
           <a:p>
             <a:pPr lvl="2"/>
             <a:r>
-              <a:rPr lang="en-US" dirty="0" smtClean="0"/>
+              <a:rPr lang="en-US" dirty="0"/>
               <a:t>Third level</a:t>
             </a:r>
           </a:p>
           <a:p>
             <a:pPr lvl="3"/>
             <a:r>
-              <a:rPr lang="en-US" dirty="0" smtClean="0"/>
+              <a:rPr lang="en-US" dirty="0"/>
               <a:t>Fourth level</a:t>
             </a:r>
           </a:p>
           <a:p>
             <a:pPr lvl="4"/>
             <a:r>
-              <a:rPr lang="en-US" dirty="0" smtClean="0"/>
+              <a:rPr lang="en-US" dirty="0"/>
               <a:t>Fifth level</a:t>
             </a:r>
-            <a:endParaRPr lang="en-US" dirty="0"/>
           </a:p>
         </p:txBody>
       </p:sp>
@@ -1739,10 +1903,9 @@
           <a:lstStyle/>
           <a:p>
             <a:r>
-              <a:rPr lang="en-US" dirty="0" smtClean="0"/>
+              <a:rPr lang="en-US" dirty="0"/>
               <a:t>Click to edit Master title style</a:t>
             </a:r>
-            <a:endParaRPr lang="en-US" dirty="0"/>
           </a:p>
         </p:txBody>
       </p:sp>
@@ -1819,38 +1982,37 @@
           <a:p>
             <a:pPr lvl="0"/>
             <a:r>
-              <a:rPr lang="en-US" dirty="0" smtClean="0"/>
+              <a:rPr lang="en-US" dirty="0"/>
               <a:t>Click to edit Master text styles</a:t>
             </a:r>
           </a:p>
           <a:p>
             <a:pPr lvl="1"/>
             <a:r>
-              <a:rPr lang="en-US" dirty="0" smtClean="0"/>
+              <a:rPr lang="en-US" dirty="0"/>
               <a:t>Second level</a:t>
             </a:r>
           </a:p>
           <a:p>
             <a:pPr lvl="2"/>
             <a:r>
-              <a:rPr lang="en-US" dirty="0" smtClean="0"/>
+              <a:rPr lang="en-US" dirty="0"/>
               <a:t>Third level</a:t>
             </a:r>
           </a:p>
           <a:p>
             <a:pPr lvl="3"/>
             <a:r>
-              <a:rPr lang="en-US" dirty="0" smtClean="0"/>
+              <a:rPr lang="en-US" dirty="0"/>
               <a:t>Fourth level</a:t>
             </a:r>
           </a:p>
           <a:p>
             <a:pPr lvl="4"/>
             <a:r>
-              <a:rPr lang="en-US" dirty="0" smtClean="0"/>
+              <a:rPr lang="en-US" dirty="0"/>
               <a:t>Fifth level</a:t>
             </a:r>
-            <a:endParaRPr lang="en-US" dirty="0"/>
           </a:p>
         </p:txBody>
       </p:sp>
@@ -1927,38 +2089,37 @@
           <a:p>
             <a:pPr lvl="0"/>
             <a:r>
-              <a:rPr lang="en-US" dirty="0" smtClean="0"/>
+              <a:rPr lang="en-US" dirty="0"/>
               <a:t>Click to edit Master text styles</a:t>
             </a:r>
           </a:p>
           <a:p>
             <a:pPr lvl="1"/>
             <a:r>
-              <a:rPr lang="en-US" dirty="0" smtClean="0"/>
+              <a:rPr lang="en-US" dirty="0"/>
               <a:t>Second level</a:t>
             </a:r>
           </a:p>
           <a:p>
             <a:pPr lvl="2"/>
             <a:r>
-              <a:rPr lang="en-US" dirty="0" smtClean="0"/>
+              <a:rPr lang="en-US" dirty="0"/>
               <a:t>Third level</a:t>
             </a:r>
           </a:p>
           <a:p>
             <a:pPr lvl="3"/>
             <a:r>
-              <a:rPr lang="en-US" dirty="0" smtClean="0"/>
+              <a:rPr lang="en-US" dirty="0"/>
               <a:t>Fourth level</a:t>
             </a:r>
           </a:p>
           <a:p>
             <a:pPr lvl="4"/>
             <a:r>
-              <a:rPr lang="en-US" dirty="0" smtClean="0"/>
+              <a:rPr lang="en-US" dirty="0"/>
               <a:t>Fifth level</a:t>
             </a:r>
-            <a:endParaRPr lang="en-US" dirty="0"/>
           </a:p>
         </p:txBody>
       </p:sp>
@@ -2056,7 +2217,7 @@
           <a:p>
             <a:pPr lvl="0"/>
             <a:r>
-              <a:rPr lang="en-US" dirty="0" smtClean="0"/>
+              <a:rPr lang="en-US" dirty="0"/>
               <a:t>Click to edit Master text styles</a:t>
             </a:r>
           </a:p>
@@ -2137,38 +2298,37 @@
           <a:p>
             <a:pPr lvl="0"/>
             <a:r>
-              <a:rPr lang="en-US" dirty="0" smtClean="0"/>
+              <a:rPr lang="en-US" dirty="0"/>
               <a:t>Click to edit Master text styles</a:t>
             </a:r>
           </a:p>
           <a:p>
             <a:pPr lvl="1"/>
             <a:r>
-              <a:rPr lang="en-US" dirty="0" smtClean="0"/>
+              <a:rPr lang="en-US" dirty="0"/>
               <a:t>Second level</a:t>
             </a:r>
           </a:p>
           <a:p>
             <a:pPr lvl="2"/>
             <a:r>
-              <a:rPr lang="en-US" dirty="0" smtClean="0"/>
+              <a:rPr lang="en-US" dirty="0"/>
               <a:t>Third level</a:t>
             </a:r>
           </a:p>
           <a:p>
             <a:pPr lvl="3"/>
             <a:r>
-              <a:rPr lang="en-US" dirty="0" smtClean="0"/>
+              <a:rPr lang="en-US" dirty="0"/>
               <a:t>Fourth level</a:t>
             </a:r>
           </a:p>
           <a:p>
             <a:pPr lvl="4"/>
             <a:r>
-              <a:rPr lang="en-US" dirty="0" smtClean="0"/>
+              <a:rPr lang="en-US" dirty="0"/>
               <a:t>Fifth level</a:t>
             </a:r>
-            <a:endParaRPr lang="en-US" dirty="0"/>
           </a:p>
         </p:txBody>
       </p:sp>
@@ -2233,7 +2393,7 @@
           <a:p>
             <a:pPr lvl="0"/>
             <a:r>
-              <a:rPr lang="en-US" dirty="0" smtClean="0"/>
+              <a:rPr lang="en-US" dirty="0"/>
               <a:t>Click to edit Master text styles</a:t>
             </a:r>
           </a:p>
@@ -2314,38 +2474,37 @@
           <a:p>
             <a:pPr lvl="0"/>
             <a:r>
-              <a:rPr lang="en-US" dirty="0" smtClean="0"/>
+              <a:rPr lang="en-US" dirty="0"/>
               <a:t>Click to edit Master text styles</a:t>
             </a:r>
           </a:p>
           <a:p>
             <a:pPr lvl="1"/>
             <a:r>
-              <a:rPr lang="en-US" dirty="0" smtClean="0"/>
+              <a:rPr lang="en-US" dirty="0"/>
               <a:t>Second level</a:t>
             </a:r>
           </a:p>
           <a:p>
             <a:pPr lvl="2"/>
             <a:r>
-              <a:rPr lang="en-US" dirty="0" smtClean="0"/>
+              <a:rPr lang="en-US" dirty="0"/>
               <a:t>Third level</a:t>
             </a:r>
           </a:p>
           <a:p>
             <a:pPr lvl="3"/>
             <a:r>
-              <a:rPr lang="en-US" dirty="0" smtClean="0"/>
+              <a:rPr lang="en-US" dirty="0"/>
               <a:t>Fourth level</a:t>
             </a:r>
           </a:p>
           <a:p>
             <a:pPr lvl="4"/>
             <a:r>
-              <a:rPr lang="en-US" dirty="0" smtClean="0"/>
+              <a:rPr lang="en-US" dirty="0"/>
               <a:t>Fifth level</a:t>
             </a:r>
-            <a:endParaRPr lang="en-US" dirty="0"/>
           </a:p>
         </p:txBody>
       </p:sp>
@@ -2365,10 +2524,9 @@
           <a:lstStyle/>
           <a:p>
             <a:r>
-              <a:rPr lang="en-US" dirty="0" smtClean="0"/>
+              <a:rPr lang="en-US" dirty="0"/>
               <a:t>Click to edit Master title style</a:t>
             </a:r>
-            <a:endParaRPr lang="en-US" dirty="0"/>
           </a:p>
         </p:txBody>
       </p:sp>
@@ -2429,10 +2587,9 @@
           </a:lstStyle>
           <a:p>
             <a:r>
-              <a:rPr lang="en-US" dirty="0" smtClean="0"/>
+              <a:rPr lang="en-US" dirty="0"/>
               <a:t>Click to edit Master title style</a:t>
             </a:r>
-            <a:endParaRPr lang="en-US" dirty="0"/>
           </a:p>
         </p:txBody>
       </p:sp>
@@ -3217,10 +3374,9 @@
           <a:lstStyle/>
           <a:p>
             <a:r>
-              <a:rPr lang="en-US" dirty="0" smtClean="0"/>
+              <a:rPr lang="en-US" dirty="0"/>
               <a:t>Click to edit Master title style</a:t>
             </a:r>
-            <a:endParaRPr lang="en-US" dirty="0"/>
           </a:p>
         </p:txBody>
       </p:sp>
@@ -3327,38 +3483,37 @@
           <a:p>
             <a:pPr lvl="0"/>
             <a:r>
-              <a:rPr lang="en-US" dirty="0" smtClean="0"/>
+              <a:rPr lang="en-US" dirty="0"/>
               <a:t>Click to edit Master text styles</a:t>
             </a:r>
           </a:p>
           <a:p>
             <a:pPr lvl="1"/>
             <a:r>
-              <a:rPr lang="en-US" dirty="0" smtClean="0"/>
+              <a:rPr lang="en-US" dirty="0"/>
               <a:t>Second level</a:t>
             </a:r>
           </a:p>
           <a:p>
             <a:pPr lvl="2"/>
             <a:r>
-              <a:rPr lang="en-US" dirty="0" smtClean="0"/>
+              <a:rPr lang="en-US" dirty="0"/>
               <a:t>Third level</a:t>
             </a:r>
           </a:p>
           <a:p>
             <a:pPr lvl="3"/>
             <a:r>
-              <a:rPr lang="en-US" dirty="0" smtClean="0"/>
+              <a:rPr lang="en-US" dirty="0"/>
               <a:t>Fourth level</a:t>
             </a:r>
           </a:p>
           <a:p>
             <a:pPr lvl="4"/>
             <a:r>
-              <a:rPr lang="en-US" dirty="0" smtClean="0"/>
+              <a:rPr lang="en-US" dirty="0"/>
               <a:t>Fifth level</a:t>
             </a:r>
-            <a:endParaRPr lang="en-US" dirty="0"/>
           </a:p>
         </p:txBody>
       </p:sp>
@@ -3440,10 +3595,9 @@
           <a:lstStyle/>
           <a:p>
             <a:r>
-              <a:rPr lang="en-US" dirty="0" smtClean="0"/>
+              <a:rPr lang="en-US" dirty="0"/>
               <a:t>Click to edit Master title style</a:t>
             </a:r>
-            <a:endParaRPr lang="en-US" dirty="0"/>
           </a:p>
         </p:txBody>
       </p:sp>
@@ -3550,38 +3704,37 @@
           <a:p>
             <a:pPr lvl="0"/>
             <a:r>
-              <a:rPr lang="en-US" dirty="0" smtClean="0"/>
+              <a:rPr lang="en-US" dirty="0"/>
               <a:t>Click to edit Master text styles</a:t>
             </a:r>
           </a:p>
           <a:p>
             <a:pPr lvl="1"/>
             <a:r>
-              <a:rPr lang="en-US" dirty="0" smtClean="0"/>
+              <a:rPr lang="en-US" dirty="0"/>
               <a:t>Second level</a:t>
             </a:r>
           </a:p>
           <a:p>
             <a:pPr lvl="2"/>
             <a:r>
-              <a:rPr lang="en-US" dirty="0" smtClean="0"/>
+              <a:rPr lang="en-US" dirty="0"/>
               <a:t>Third level</a:t>
             </a:r>
           </a:p>
           <a:p>
             <a:pPr lvl="3"/>
             <a:r>
-              <a:rPr lang="en-US" dirty="0" smtClean="0"/>
+              <a:rPr lang="en-US" dirty="0"/>
               <a:t>Fourth level</a:t>
             </a:r>
           </a:p>
           <a:p>
             <a:pPr lvl="4"/>
             <a:r>
-              <a:rPr lang="en-US" dirty="0" smtClean="0"/>
+              <a:rPr lang="en-US" dirty="0"/>
               <a:t>Fifth level</a:t>
             </a:r>
-            <a:endParaRPr lang="en-US" dirty="0"/>
           </a:p>
         </p:txBody>
       </p:sp>
@@ -3919,10 +4072,9 @@
           </a:lstStyle>
           <a:p>
             <a:r>
-              <a:rPr lang="en-US" dirty="0" smtClean="0"/>
+              <a:rPr lang="en-US" dirty="0"/>
               <a:t>Click to edit Master title style</a:t>
             </a:r>
-            <a:endParaRPr lang="en-US" dirty="0"/>
           </a:p>
         </p:txBody>
       </p:sp>
@@ -3991,10 +4143,9 @@
           </a:lstStyle>
           <a:p>
             <a:r>
-              <a:rPr lang="en-US" dirty="0" smtClean="0"/>
+              <a:rPr lang="en-US" dirty="0"/>
               <a:t>Click to edit Master subtitle style</a:t>
             </a:r>
-            <a:endParaRPr lang="en-US" dirty="0"/>
           </a:p>
         </p:txBody>
       </p:sp>
@@ -4048,7 +4199,7 @@
           <a:p>
             <a:pPr lvl="0"/>
             <a:r>
-              <a:rPr lang="en-US" dirty="0" smtClean="0"/>
+              <a:rPr lang="en-US" dirty="0"/>
               <a:t>Click to edit Master text styles</a:t>
             </a:r>
           </a:p>
@@ -4219,10 +4370,9 @@
           <a:lstStyle/>
           <a:p>
             <a:r>
-              <a:rPr lang="en-US" dirty="0" smtClean="0"/>
+              <a:rPr lang="en-US" dirty="0"/>
               <a:t>Click to edit Master title style</a:t>
             </a:r>
-            <a:endParaRPr lang="en-US" dirty="0"/>
           </a:p>
         </p:txBody>
       </p:sp>
@@ -4299,38 +4449,37 @@
           <a:p>
             <a:pPr lvl="0"/>
             <a:r>
-              <a:rPr lang="en-US" dirty="0" smtClean="0"/>
+              <a:rPr lang="en-US" dirty="0"/>
               <a:t>Click to edit Master text styles</a:t>
             </a:r>
           </a:p>
           <a:p>
             <a:pPr lvl="1"/>
             <a:r>
-              <a:rPr lang="en-US" dirty="0" smtClean="0"/>
+              <a:rPr lang="en-US" dirty="0"/>
               <a:t>Second level</a:t>
             </a:r>
           </a:p>
           <a:p>
             <a:pPr lvl="2"/>
             <a:r>
-              <a:rPr lang="en-US" dirty="0" smtClean="0"/>
+              <a:rPr lang="en-US" dirty="0"/>
               <a:t>Third level</a:t>
             </a:r>
           </a:p>
           <a:p>
             <a:pPr lvl="3"/>
             <a:r>
-              <a:rPr lang="en-US" dirty="0" smtClean="0"/>
+              <a:rPr lang="en-US" dirty="0"/>
               <a:t>Fourth level</a:t>
             </a:r>
           </a:p>
           <a:p>
             <a:pPr lvl="4"/>
             <a:r>
-              <a:rPr lang="en-US" dirty="0" smtClean="0"/>
+              <a:rPr lang="en-US" dirty="0"/>
               <a:t>Fifth level</a:t>
             </a:r>
-            <a:endParaRPr lang="en-US" dirty="0"/>
           </a:p>
         </p:txBody>
       </p:sp>
@@ -4407,38 +4556,37 @@
           <a:p>
             <a:pPr lvl="0"/>
             <a:r>
-              <a:rPr lang="en-US" dirty="0" smtClean="0"/>
+              <a:rPr lang="en-US" dirty="0"/>
               <a:t>Click to edit Master text styles</a:t>
             </a:r>
           </a:p>
           <a:p>
             <a:pPr lvl="1"/>
             <a:r>
-              <a:rPr lang="en-US" dirty="0" smtClean="0"/>
+              <a:rPr lang="en-US" dirty="0"/>
               <a:t>Second level</a:t>
             </a:r>
           </a:p>
           <a:p>
             <a:pPr lvl="2"/>
             <a:r>
-              <a:rPr lang="en-US" dirty="0" smtClean="0"/>
+              <a:rPr lang="en-US" dirty="0"/>
               <a:t>Third level</a:t>
             </a:r>
           </a:p>
           <a:p>
             <a:pPr lvl="3"/>
             <a:r>
-              <a:rPr lang="en-US" dirty="0" smtClean="0"/>
+              <a:rPr lang="en-US" dirty="0"/>
               <a:t>Fourth level</a:t>
             </a:r>
           </a:p>
           <a:p>
             <a:pPr lvl="4"/>
             <a:r>
-              <a:rPr lang="en-US" dirty="0" smtClean="0"/>
+              <a:rPr lang="en-US" dirty="0"/>
               <a:t>Fifth level</a:t>
             </a:r>
-            <a:endParaRPr lang="en-US" dirty="0"/>
           </a:p>
         </p:txBody>
       </p:sp>
@@ -4855,7 +5003,7 @@
           </a:lstStyle>
           <a:p>
             <a:r>
-              <a:rPr lang="en-US" smtClean="0"/>
+              <a:rPr lang="en-US"/>
               <a:t>Click to edit Master title style</a:t>
             </a:r>
             <a:endParaRPr lang="en-US" dirty="0"/>
@@ -4927,7 +5075,7 @@
           </a:lstStyle>
           <a:p>
             <a:r>
-              <a:rPr lang="en-US" smtClean="0"/>
+              <a:rPr lang="en-US"/>
               <a:t>Click to edit Master subtitle style</a:t>
             </a:r>
             <a:endParaRPr lang="en-US" dirty="0"/>
@@ -4984,7 +5132,7 @@
           <a:p>
             <a:pPr lvl="0"/>
             <a:r>
-              <a:rPr lang="en-US" smtClean="0"/>
+              <a:rPr lang="en-US"/>
               <a:t>Edit Master text styles</a:t>
             </a:r>
           </a:p>
@@ -5273,13 +5421,6 @@
   <p:transition>
     <p:fade/>
   </p:transition>
-  <p:timing>
-    <p:tnLst>
-      <p:par>
-        <p:cTn id="1" dur="indefinite" restart="never" nodeType="tmRoot"/>
-      </p:par>
-    </p:tnLst>
-  </p:timing>
 </p:sldLayout>
 </file>
 
@@ -5601,7 +5742,7 @@
           </a:lstStyle>
           <a:p>
             <a:r>
-              <a:rPr lang="en-US" smtClean="0"/>
+              <a:rPr lang="en-US"/>
               <a:t>Click to edit Master title style</a:t>
             </a:r>
             <a:endParaRPr lang="en-US" dirty="0"/>
@@ -5673,7 +5814,7 @@
           </a:lstStyle>
           <a:p>
             <a:r>
-              <a:rPr lang="en-US" smtClean="0"/>
+              <a:rPr lang="en-US"/>
               <a:t>Click to edit Master subtitle style</a:t>
             </a:r>
             <a:endParaRPr lang="en-US" dirty="0"/>
@@ -5730,7 +5871,7 @@
           <a:p>
             <a:pPr lvl="0"/>
             <a:r>
-              <a:rPr lang="en-US" smtClean="0"/>
+              <a:rPr lang="en-US"/>
               <a:t>Edit Master text styles</a:t>
             </a:r>
           </a:p>
@@ -6340,7 +6481,7 @@
           </a:lstStyle>
           <a:p>
             <a:r>
-              <a:rPr lang="en-US" smtClean="0"/>
+              <a:rPr lang="en-US"/>
               <a:t>Click to edit Master title style</a:t>
             </a:r>
             <a:endParaRPr lang="en-US" dirty="0"/>
@@ -6412,7 +6553,7 @@
           </a:lstStyle>
           <a:p>
             <a:r>
-              <a:rPr lang="en-US" smtClean="0"/>
+              <a:rPr lang="en-US"/>
               <a:t>Click to edit Master subtitle style</a:t>
             </a:r>
             <a:endParaRPr lang="en-US" dirty="0"/>
@@ -6469,7 +6610,7 @@
           <a:p>
             <a:pPr lvl="0"/>
             <a:r>
-              <a:rPr lang="en-US" smtClean="0"/>
+              <a:rPr lang="en-US"/>
               <a:t>Edit Master text styles</a:t>
             </a:r>
           </a:p>
@@ -7080,7 +7221,7 @@
           </a:lstStyle>
           <a:p>
             <a:r>
-              <a:rPr lang="en-US" smtClean="0"/>
+              <a:rPr lang="en-US"/>
               <a:t>Click to edit Master title style</a:t>
             </a:r>
             <a:endParaRPr lang="en-US" dirty="0"/>
@@ -7152,7 +7293,7 @@
           </a:lstStyle>
           <a:p>
             <a:r>
-              <a:rPr lang="en-US" smtClean="0"/>
+              <a:rPr lang="en-US"/>
               <a:t>Click to edit Master subtitle style</a:t>
             </a:r>
             <a:endParaRPr lang="en-US" dirty="0"/>
@@ -7209,7 +7350,7 @@
           <a:p>
             <a:pPr lvl="0"/>
             <a:r>
-              <a:rPr lang="en-US" smtClean="0"/>
+              <a:rPr lang="en-US"/>
               <a:t>Edit Master text styles</a:t>
             </a:r>
           </a:p>
@@ -7499,13 +7640,6 @@
   <p:transition>
     <p:fade/>
   </p:transition>
-  <p:timing>
-    <p:tnLst>
-      <p:par>
-        <p:cTn id="1" dur="indefinite" restart="never" nodeType="tmRoot"/>
-      </p:par>
-    </p:tnLst>
-  </p:timing>
 </p:sldLayout>
 </file>
 
@@ -7828,7 +7962,7 @@
           </a:lstStyle>
           <a:p>
             <a:r>
-              <a:rPr lang="en-US" smtClean="0"/>
+              <a:rPr lang="en-US"/>
               <a:t>Click to edit Master title style</a:t>
             </a:r>
             <a:endParaRPr lang="en-US" dirty="0"/>
@@ -7900,7 +8034,7 @@
           </a:lstStyle>
           <a:p>
             <a:r>
-              <a:rPr lang="en-US" smtClean="0"/>
+              <a:rPr lang="en-US"/>
               <a:t>Click to edit Master subtitle style</a:t>
             </a:r>
             <a:endParaRPr lang="en-US" dirty="0"/>
@@ -7957,7 +8091,7 @@
           <a:p>
             <a:pPr lvl="0"/>
             <a:r>
-              <a:rPr lang="en-US" smtClean="0"/>
+              <a:rPr lang="en-US"/>
               <a:t>Edit Master text styles</a:t>
             </a:r>
           </a:p>
@@ -8568,7 +8702,7 @@
           </a:lstStyle>
           <a:p>
             <a:r>
-              <a:rPr lang="en-US" smtClean="0"/>
+              <a:rPr lang="en-US"/>
               <a:t>Click to edit Master title style</a:t>
             </a:r>
             <a:endParaRPr lang="en-US" dirty="0"/>
@@ -8640,7 +8774,7 @@
           </a:lstStyle>
           <a:p>
             <a:r>
-              <a:rPr lang="en-US" smtClean="0"/>
+              <a:rPr lang="en-US"/>
               <a:t>Click to edit Master subtitle style</a:t>
             </a:r>
             <a:endParaRPr lang="en-US" dirty="0"/>
@@ -8697,7 +8831,7 @@
           <a:p>
             <a:pPr lvl="0"/>
             <a:r>
-              <a:rPr lang="en-US" smtClean="0"/>
+              <a:rPr lang="en-US"/>
               <a:t>Edit Master text styles</a:t>
             </a:r>
           </a:p>
@@ -8986,13 +9120,6 @@
   <p:transition>
     <p:fade/>
   </p:transition>
-  <p:timing>
-    <p:tnLst>
-      <p:par>
-        <p:cTn id="1" dur="indefinite" restart="never" nodeType="tmRoot"/>
-      </p:par>
-    </p:tnLst>
-  </p:timing>
 </p:sldLayout>
 </file>
 
@@ -9317,7 +9444,7 @@
           </a:lstStyle>
           <a:p>
             <a:r>
-              <a:rPr lang="en-US" smtClean="0"/>
+              <a:rPr lang="en-US"/>
               <a:t>Click to edit Master title style</a:t>
             </a:r>
             <a:endParaRPr lang="en-US" dirty="0"/>
@@ -9389,7 +9516,7 @@
           </a:lstStyle>
           <a:p>
             <a:r>
-              <a:rPr lang="en-US" smtClean="0"/>
+              <a:rPr lang="en-US"/>
               <a:t>Click to edit Master subtitle style</a:t>
             </a:r>
             <a:endParaRPr lang="en-US" dirty="0"/>
@@ -9446,7 +9573,7 @@
           <a:p>
             <a:pPr lvl="0"/>
             <a:r>
-              <a:rPr lang="en-US" smtClean="0"/>
+              <a:rPr lang="en-US"/>
               <a:t>Edit Master text styles</a:t>
             </a:r>
           </a:p>
@@ -9465,13 +9592,6 @@
   <p:transition>
     <p:fade/>
   </p:transition>
-  <p:timing>
-    <p:tnLst>
-      <p:par>
-        <p:cTn id="1" dur="indefinite" restart="never" nodeType="tmRoot"/>
-      </p:par>
-    </p:tnLst>
-  </p:timing>
 </p:sldLayout>
 </file>
 
@@ -9793,10 +9913,9 @@
           </a:lstStyle>
           <a:p>
             <a:r>
-              <a:rPr lang="en-US" dirty="0" smtClean="0"/>
+              <a:rPr lang="en-US" dirty="0"/>
               <a:t>Click to edit Master title style</a:t>
             </a:r>
-            <a:endParaRPr lang="en-US" dirty="0"/>
           </a:p>
         </p:txBody>
       </p:sp>
@@ -9865,10 +9984,9 @@
           </a:lstStyle>
           <a:p>
             <a:r>
-              <a:rPr lang="en-US" dirty="0" smtClean="0"/>
+              <a:rPr lang="en-US" dirty="0"/>
               <a:t>Click to edit Master subtitle style</a:t>
             </a:r>
-            <a:endParaRPr lang="en-US" dirty="0"/>
           </a:p>
         </p:txBody>
       </p:sp>
@@ -9922,7 +10040,7 @@
           <a:p>
             <a:pPr lvl="0"/>
             <a:r>
-              <a:rPr lang="en-US" dirty="0" smtClean="0"/>
+              <a:rPr lang="en-US" dirty="0"/>
               <a:t>Click to edit Master text styles</a:t>
             </a:r>
           </a:p>
@@ -10040,7 +10158,7 @@
           </a:lstStyle>
           <a:p>
             <a:r>
-              <a:rPr lang="en-US" smtClean="0"/>
+              <a:rPr lang="en-US"/>
               <a:t>Click to edit Master title style</a:t>
             </a:r>
             <a:endParaRPr lang="en-US" dirty="0"/>
@@ -10160,7 +10278,7 @@
           <a:p>
             <a:pPr lvl="0"/>
             <a:r>
-              <a:rPr lang="en-US" smtClean="0"/>
+              <a:rPr lang="en-US"/>
               <a:t>Edit Master text styles</a:t>
             </a:r>
           </a:p>
@@ -10284,7 +10402,7 @@
           </a:lstStyle>
           <a:p>
             <a:r>
-              <a:rPr lang="en-US" smtClean="0"/>
+              <a:rPr lang="en-US"/>
               <a:t>Click to edit Master title style</a:t>
             </a:r>
             <a:endParaRPr lang="en-US" dirty="0"/>
@@ -10404,7 +10522,7 @@
           <a:p>
             <a:pPr lvl="0"/>
             <a:r>
-              <a:rPr lang="en-US" smtClean="0"/>
+              <a:rPr lang="en-US"/>
               <a:t>Edit Master text styles</a:t>
             </a:r>
           </a:p>
@@ -10534,7 +10652,7 @@
           </a:lstStyle>
           <a:p>
             <a:r>
-              <a:rPr lang="en-US" smtClean="0"/>
+              <a:rPr lang="en-US"/>
               <a:t>Click to edit Master title style</a:t>
             </a:r>
             <a:endParaRPr lang="en-US" dirty="0"/>
@@ -10646,35 +10764,35 @@
           <a:p>
             <a:pPr lvl="0"/>
             <a:r>
-              <a:rPr lang="en-US" smtClean="0"/>
+              <a:rPr lang="en-US"/>
               <a:t>Edit Master text styles</a:t>
             </a:r>
           </a:p>
           <a:p>
             <a:pPr lvl="1"/>
             <a:r>
-              <a:rPr lang="en-US" smtClean="0"/>
+              <a:rPr lang="en-US"/>
               <a:t>Second level</a:t>
             </a:r>
           </a:p>
           <a:p>
             <a:pPr lvl="2"/>
             <a:r>
-              <a:rPr lang="en-US" smtClean="0"/>
+              <a:rPr lang="en-US"/>
               <a:t>Third level</a:t>
             </a:r>
           </a:p>
           <a:p>
             <a:pPr lvl="3"/>
             <a:r>
-              <a:rPr lang="en-US" smtClean="0"/>
+              <a:rPr lang="en-US"/>
               <a:t>Fourth level</a:t>
             </a:r>
           </a:p>
           <a:p>
             <a:pPr lvl="4"/>
             <a:r>
-              <a:rPr lang="en-US" smtClean="0"/>
+              <a:rPr lang="en-US"/>
               <a:t>Fifth level</a:t>
             </a:r>
             <a:endParaRPr lang="en-US" dirty="0"/>
@@ -10741,7 +10859,7 @@
           <a:lstStyle/>
           <a:p>
             <a:r>
-              <a:rPr lang="en-US" smtClean="0"/>
+              <a:rPr lang="en-US"/>
               <a:t>Click to edit Master title style</a:t>
             </a:r>
             <a:endParaRPr lang="en-US" dirty="0"/>
@@ -10821,35 +10939,35 @@
           <a:p>
             <a:pPr lvl="0"/>
             <a:r>
-              <a:rPr lang="en-US" smtClean="0"/>
+              <a:rPr lang="en-US"/>
               <a:t>Edit Master text styles</a:t>
             </a:r>
           </a:p>
           <a:p>
             <a:pPr lvl="1"/>
             <a:r>
-              <a:rPr lang="en-US" smtClean="0"/>
+              <a:rPr lang="en-US"/>
               <a:t>Second level</a:t>
             </a:r>
           </a:p>
           <a:p>
             <a:pPr lvl="2"/>
             <a:r>
-              <a:rPr lang="en-US" smtClean="0"/>
+              <a:rPr lang="en-US"/>
               <a:t>Third level</a:t>
             </a:r>
           </a:p>
           <a:p>
             <a:pPr lvl="3"/>
             <a:r>
-              <a:rPr lang="en-US" smtClean="0"/>
+              <a:rPr lang="en-US"/>
               <a:t>Fourth level</a:t>
             </a:r>
           </a:p>
           <a:p>
             <a:pPr lvl="4"/>
             <a:r>
-              <a:rPr lang="en-US" smtClean="0"/>
+              <a:rPr lang="en-US"/>
               <a:t>Fifth level</a:t>
             </a:r>
             <a:endParaRPr lang="en-US" dirty="0"/>
@@ -10929,35 +11047,35 @@
           <a:p>
             <a:pPr lvl="0"/>
             <a:r>
-              <a:rPr lang="en-US" smtClean="0"/>
+              <a:rPr lang="en-US"/>
               <a:t>Edit Master text styles</a:t>
             </a:r>
           </a:p>
           <a:p>
             <a:pPr lvl="1"/>
             <a:r>
-              <a:rPr lang="en-US" smtClean="0"/>
+              <a:rPr lang="en-US"/>
               <a:t>Second level</a:t>
             </a:r>
           </a:p>
           <a:p>
             <a:pPr lvl="2"/>
             <a:r>
-              <a:rPr lang="en-US" smtClean="0"/>
+              <a:rPr lang="en-US"/>
               <a:t>Third level</a:t>
             </a:r>
           </a:p>
           <a:p>
             <a:pPr lvl="3"/>
             <a:r>
-              <a:rPr lang="en-US" smtClean="0"/>
+              <a:rPr lang="en-US"/>
               <a:t>Fourth level</a:t>
             </a:r>
           </a:p>
           <a:p>
             <a:pPr lvl="4"/>
             <a:r>
-              <a:rPr lang="en-US" smtClean="0"/>
+              <a:rPr lang="en-US"/>
               <a:t>Fifth level</a:t>
             </a:r>
             <a:endParaRPr lang="en-US" dirty="0"/>
@@ -11058,7 +11176,7 @@
           <a:p>
             <a:pPr lvl="0"/>
             <a:r>
-              <a:rPr lang="en-US" smtClean="0"/>
+              <a:rPr lang="en-US"/>
               <a:t>Edit Master text styles</a:t>
             </a:r>
           </a:p>
@@ -11139,35 +11257,35 @@
           <a:p>
             <a:pPr lvl="0"/>
             <a:r>
-              <a:rPr lang="en-US" smtClean="0"/>
+              <a:rPr lang="en-US"/>
               <a:t>Edit Master text styles</a:t>
             </a:r>
           </a:p>
           <a:p>
             <a:pPr lvl="1"/>
             <a:r>
-              <a:rPr lang="en-US" smtClean="0"/>
+              <a:rPr lang="en-US"/>
               <a:t>Second level</a:t>
             </a:r>
           </a:p>
           <a:p>
             <a:pPr lvl="2"/>
             <a:r>
-              <a:rPr lang="en-US" smtClean="0"/>
+              <a:rPr lang="en-US"/>
               <a:t>Third level</a:t>
             </a:r>
           </a:p>
           <a:p>
             <a:pPr lvl="3"/>
             <a:r>
-              <a:rPr lang="en-US" smtClean="0"/>
+              <a:rPr lang="en-US"/>
               <a:t>Fourth level</a:t>
             </a:r>
           </a:p>
           <a:p>
             <a:pPr lvl="4"/>
             <a:r>
-              <a:rPr lang="en-US" smtClean="0"/>
+              <a:rPr lang="en-US"/>
               <a:t>Fifth level</a:t>
             </a:r>
             <a:endParaRPr lang="en-US" dirty="0"/>
@@ -11235,7 +11353,7 @@
           <a:p>
             <a:pPr lvl="0"/>
             <a:r>
-              <a:rPr lang="en-US" smtClean="0"/>
+              <a:rPr lang="en-US"/>
               <a:t>Edit Master text styles</a:t>
             </a:r>
           </a:p>
@@ -11316,35 +11434,35 @@
           <a:p>
             <a:pPr lvl="0"/>
             <a:r>
-              <a:rPr lang="en-US" smtClean="0"/>
+              <a:rPr lang="en-US"/>
               <a:t>Edit Master text styles</a:t>
             </a:r>
           </a:p>
           <a:p>
             <a:pPr lvl="1"/>
             <a:r>
-              <a:rPr lang="en-US" smtClean="0"/>
+              <a:rPr lang="en-US"/>
               <a:t>Second level</a:t>
             </a:r>
           </a:p>
           <a:p>
             <a:pPr lvl="2"/>
             <a:r>
-              <a:rPr lang="en-US" smtClean="0"/>
+              <a:rPr lang="en-US"/>
               <a:t>Third level</a:t>
             </a:r>
           </a:p>
           <a:p>
             <a:pPr lvl="3"/>
             <a:r>
-              <a:rPr lang="en-US" smtClean="0"/>
+              <a:rPr lang="en-US"/>
               <a:t>Fourth level</a:t>
             </a:r>
           </a:p>
           <a:p>
             <a:pPr lvl="4"/>
             <a:r>
-              <a:rPr lang="en-US" smtClean="0"/>
+              <a:rPr lang="en-US"/>
               <a:t>Fifth level</a:t>
             </a:r>
             <a:endParaRPr lang="en-US" dirty="0"/>
@@ -11367,7 +11485,7 @@
           <a:lstStyle/>
           <a:p>
             <a:r>
-              <a:rPr lang="en-US" smtClean="0"/>
+              <a:rPr lang="en-US"/>
               <a:t>Click to edit Master title style</a:t>
             </a:r>
             <a:endParaRPr lang="en-US" dirty="0"/>
@@ -11431,7 +11549,7 @@
           </a:lstStyle>
           <a:p>
             <a:r>
-              <a:rPr lang="en-US" smtClean="0"/>
+              <a:rPr lang="en-US"/>
               <a:t>Click to edit Master title style</a:t>
             </a:r>
             <a:endParaRPr lang="en-US" dirty="0"/>
@@ -12329,7 +12447,7 @@
           <a:lstStyle/>
           <a:p>
             <a:r>
-              <a:rPr lang="en-US" smtClean="0"/>
+              <a:rPr lang="en-US"/>
               <a:t>Click to edit Master title style</a:t>
             </a:r>
             <a:endParaRPr lang="en-US" dirty="0"/>
@@ -12439,35 +12557,35 @@
           <a:p>
             <a:pPr lvl="0"/>
             <a:r>
-              <a:rPr lang="en-US" smtClean="0"/>
+              <a:rPr lang="en-US"/>
               <a:t>Edit Master text styles</a:t>
             </a:r>
           </a:p>
           <a:p>
             <a:pPr lvl="1"/>
             <a:r>
-              <a:rPr lang="en-US" smtClean="0"/>
+              <a:rPr lang="en-US"/>
               <a:t>Second level</a:t>
             </a:r>
           </a:p>
           <a:p>
             <a:pPr lvl="2"/>
             <a:r>
-              <a:rPr lang="en-US" smtClean="0"/>
+              <a:rPr lang="en-US"/>
               <a:t>Third level</a:t>
             </a:r>
           </a:p>
           <a:p>
             <a:pPr lvl="3"/>
             <a:r>
-              <a:rPr lang="en-US" smtClean="0"/>
+              <a:rPr lang="en-US"/>
               <a:t>Fourth level</a:t>
             </a:r>
           </a:p>
           <a:p>
             <a:pPr lvl="4"/>
             <a:r>
-              <a:rPr lang="en-US" smtClean="0"/>
+              <a:rPr lang="en-US"/>
               <a:t>Fifth level</a:t>
             </a:r>
             <a:endParaRPr lang="en-US" dirty="0"/>
@@ -12808,10 +12926,9 @@
           </a:lstStyle>
           <a:p>
             <a:r>
-              <a:rPr lang="en-US" dirty="0" smtClean="0"/>
+              <a:rPr lang="en-US" dirty="0"/>
               <a:t>Click to edit Master title style</a:t>
             </a:r>
-            <a:endParaRPr lang="en-US" dirty="0"/>
           </a:p>
         </p:txBody>
       </p:sp>
@@ -12880,10 +12997,9 @@
           </a:lstStyle>
           <a:p>
             <a:r>
-              <a:rPr lang="en-US" dirty="0" smtClean="0"/>
+              <a:rPr lang="en-US" dirty="0"/>
               <a:t>Click to edit Master subtitle style</a:t>
             </a:r>
-            <a:endParaRPr lang="en-US" dirty="0"/>
           </a:p>
         </p:txBody>
       </p:sp>
@@ -12937,7 +13053,7 @@
           <a:p>
             <a:pPr lvl="0"/>
             <a:r>
-              <a:rPr lang="en-US" dirty="0" smtClean="0"/>
+              <a:rPr lang="en-US" dirty="0"/>
               <a:t>Click to edit Master text styles</a:t>
             </a:r>
           </a:p>
@@ -13021,7 +13137,7 @@
           <a:lstStyle/>
           <a:p>
             <a:r>
-              <a:rPr lang="en-US" smtClean="0"/>
+              <a:rPr lang="en-US"/>
               <a:t>Click to edit Master title style</a:t>
             </a:r>
             <a:endParaRPr lang="en-US" dirty="0"/>
@@ -13131,35 +13247,35 @@
           <a:p>
             <a:pPr lvl="0"/>
             <a:r>
-              <a:rPr lang="en-US" smtClean="0"/>
+              <a:rPr lang="en-US"/>
               <a:t>Edit Master text styles</a:t>
             </a:r>
           </a:p>
           <a:p>
             <a:pPr lvl="1"/>
             <a:r>
-              <a:rPr lang="en-US" smtClean="0"/>
+              <a:rPr lang="en-US"/>
               <a:t>Second level</a:t>
             </a:r>
           </a:p>
           <a:p>
             <a:pPr lvl="2"/>
             <a:r>
-              <a:rPr lang="en-US" smtClean="0"/>
+              <a:rPr lang="en-US"/>
               <a:t>Third level</a:t>
             </a:r>
           </a:p>
           <a:p>
             <a:pPr lvl="3"/>
             <a:r>
-              <a:rPr lang="en-US" smtClean="0"/>
+              <a:rPr lang="en-US"/>
               <a:t>Fourth level</a:t>
             </a:r>
           </a:p>
           <a:p>
             <a:pPr lvl="4"/>
             <a:r>
-              <a:rPr lang="en-US" smtClean="0"/>
+              <a:rPr lang="en-US"/>
               <a:t>Fifth level</a:t>
             </a:r>
             <a:endParaRPr lang="en-US" dirty="0"/>
@@ -13389,7 +13505,7 @@
           <a:lstStyle/>
           <a:p>
             <a:r>
-              <a:rPr lang="en-US" smtClean="0"/>
+              <a:rPr lang="en-US"/>
               <a:t>Click to edit Master title style</a:t>
             </a:r>
             <a:endParaRPr lang="en-US" dirty="0"/>
@@ -13469,35 +13585,35 @@
           <a:p>
             <a:pPr lvl="0"/>
             <a:r>
-              <a:rPr lang="en-US" smtClean="0"/>
+              <a:rPr lang="en-US"/>
               <a:t>Edit Master text styles</a:t>
             </a:r>
           </a:p>
           <a:p>
             <a:pPr lvl="1"/>
             <a:r>
-              <a:rPr lang="en-US" smtClean="0"/>
+              <a:rPr lang="en-US"/>
               <a:t>Second level</a:t>
             </a:r>
           </a:p>
           <a:p>
             <a:pPr lvl="2"/>
             <a:r>
-              <a:rPr lang="en-US" smtClean="0"/>
+              <a:rPr lang="en-US"/>
               <a:t>Third level</a:t>
             </a:r>
           </a:p>
           <a:p>
             <a:pPr lvl="3"/>
             <a:r>
-              <a:rPr lang="en-US" smtClean="0"/>
+              <a:rPr lang="en-US"/>
               <a:t>Fourth level</a:t>
             </a:r>
           </a:p>
           <a:p>
             <a:pPr lvl="4"/>
             <a:r>
-              <a:rPr lang="en-US" smtClean="0"/>
+              <a:rPr lang="en-US"/>
               <a:t>Fifth level</a:t>
             </a:r>
             <a:endParaRPr lang="en-US" dirty="0"/>
@@ -13577,35 +13693,35 @@
           <a:p>
             <a:pPr lvl="0"/>
             <a:r>
-              <a:rPr lang="en-US" smtClean="0"/>
+              <a:rPr lang="en-US"/>
               <a:t>Edit Master text styles</a:t>
             </a:r>
           </a:p>
           <a:p>
             <a:pPr lvl="1"/>
             <a:r>
-              <a:rPr lang="en-US" smtClean="0"/>
+              <a:rPr lang="en-US"/>
               <a:t>Second level</a:t>
             </a:r>
           </a:p>
           <a:p>
             <a:pPr lvl="2"/>
             <a:r>
-              <a:rPr lang="en-US" smtClean="0"/>
+              <a:rPr lang="en-US"/>
               <a:t>Third level</a:t>
             </a:r>
           </a:p>
           <a:p>
             <a:pPr lvl="3"/>
             <a:r>
-              <a:rPr lang="en-US" smtClean="0"/>
+              <a:rPr lang="en-US"/>
               <a:t>Fourth level</a:t>
             </a:r>
           </a:p>
           <a:p>
             <a:pPr lvl="4"/>
             <a:r>
-              <a:rPr lang="en-US" smtClean="0"/>
+              <a:rPr lang="en-US"/>
               <a:t>Fifth level</a:t>
             </a:r>
             <a:endParaRPr lang="en-US" dirty="0"/>
@@ -14054,10 +14170,9 @@
           </a:lstStyle>
           <a:p>
             <a:r>
-              <a:rPr lang="en-US" dirty="0" smtClean="0"/>
+              <a:rPr lang="en-US" dirty="0"/>
               <a:t>Click to edit Master title style</a:t>
             </a:r>
-            <a:endParaRPr lang="en-US" dirty="0"/>
           </a:p>
         </p:txBody>
       </p:sp>
@@ -14126,10 +14241,9 @@
           </a:lstStyle>
           <a:p>
             <a:r>
-              <a:rPr lang="en-US" dirty="0" smtClean="0"/>
+              <a:rPr lang="en-US" dirty="0"/>
               <a:t>Click to edit Master subtitle style</a:t>
             </a:r>
-            <a:endParaRPr lang="en-US" dirty="0"/>
           </a:p>
         </p:txBody>
       </p:sp>
@@ -14183,7 +14297,7 @@
           <a:p>
             <a:pPr lvl="0"/>
             <a:r>
-              <a:rPr lang="en-US" dirty="0" smtClean="0"/>
+              <a:rPr lang="en-US" dirty="0"/>
               <a:t>Click to edit Master text styles</a:t>
             </a:r>
           </a:p>
@@ -14524,10 +14638,9 @@
           </a:lstStyle>
           <a:p>
             <a:r>
-              <a:rPr lang="en-US" dirty="0" smtClean="0"/>
+              <a:rPr lang="en-US" dirty="0"/>
               <a:t>Click to edit Master title style</a:t>
             </a:r>
-            <a:endParaRPr lang="en-US" dirty="0"/>
           </a:p>
         </p:txBody>
       </p:sp>
@@ -14596,10 +14709,9 @@
           </a:lstStyle>
           <a:p>
             <a:r>
-              <a:rPr lang="en-US" dirty="0" smtClean="0"/>
+              <a:rPr lang="en-US" dirty="0"/>
               <a:t>Click to edit Master subtitle style</a:t>
             </a:r>
-            <a:endParaRPr lang="en-US" dirty="0"/>
           </a:p>
         </p:txBody>
       </p:sp>
@@ -14653,7 +14765,7 @@
           <a:p>
             <a:pPr lvl="0"/>
             <a:r>
-              <a:rPr lang="en-US" dirty="0" smtClean="0"/>
+              <a:rPr lang="en-US" dirty="0"/>
               <a:t>Click to edit Master text styles</a:t>
             </a:r>
           </a:p>
@@ -14672,13 +14784,6 @@
   <p:transition>
     <p:fade/>
   </p:transition>
-  <p:timing>
-    <p:tnLst>
-      <p:par>
-        <p:cTn id="1" dur="indefinite" restart="never" nodeType="tmRoot"/>
-      </p:par>
-    </p:tnLst>
-  </p:timing>
 </p:sldLayout>
 </file>
 
@@ -15001,10 +15106,9 @@
           </a:lstStyle>
           <a:p>
             <a:r>
-              <a:rPr lang="en-US" dirty="0" smtClean="0"/>
+              <a:rPr lang="en-US" dirty="0"/>
               <a:t>Click to edit Master title style</a:t>
             </a:r>
-            <a:endParaRPr lang="en-US" dirty="0"/>
           </a:p>
         </p:txBody>
       </p:sp>
@@ -15073,10 +15177,9 @@
           </a:lstStyle>
           <a:p>
             <a:r>
-              <a:rPr lang="en-US" dirty="0" smtClean="0"/>
+              <a:rPr lang="en-US" dirty="0"/>
               <a:t>Click to edit Master subtitle style</a:t>
             </a:r>
-            <a:endParaRPr lang="en-US" dirty="0"/>
           </a:p>
         </p:txBody>
       </p:sp>
@@ -15130,7 +15233,7 @@
           <a:p>
             <a:pPr lvl="0"/>
             <a:r>
-              <a:rPr lang="en-US" dirty="0" smtClean="0"/>
+              <a:rPr lang="en-US" dirty="0"/>
               <a:t>Click to edit Master text styles</a:t>
             </a:r>
           </a:p>
@@ -15470,10 +15573,9 @@
           </a:lstStyle>
           <a:p>
             <a:r>
-              <a:rPr lang="en-US" dirty="0" smtClean="0"/>
+              <a:rPr lang="en-US" dirty="0"/>
               <a:t>Click to edit Master title style</a:t>
             </a:r>
-            <a:endParaRPr lang="en-US" dirty="0"/>
           </a:p>
         </p:txBody>
       </p:sp>
@@ -15542,10 +15644,9 @@
           </a:lstStyle>
           <a:p>
             <a:r>
-              <a:rPr lang="en-US" dirty="0" smtClean="0"/>
+              <a:rPr lang="en-US" dirty="0"/>
               <a:t>Click to edit Master subtitle style</a:t>
             </a:r>
-            <a:endParaRPr lang="en-US" dirty="0"/>
           </a:p>
         </p:txBody>
       </p:sp>
@@ -15599,7 +15700,7 @@
           <a:p>
             <a:pPr lvl="0"/>
             <a:r>
-              <a:rPr lang="en-US" dirty="0" smtClean="0"/>
+              <a:rPr lang="en-US" dirty="0"/>
               <a:t>Click to edit Master text styles</a:t>
             </a:r>
           </a:p>
@@ -15618,13 +15719,6 @@
   <p:transition>
     <p:fade/>
   </p:transition>
-  <p:timing>
-    <p:tnLst>
-      <p:par>
-        <p:cTn id="1" dur="indefinite" restart="never" nodeType="tmRoot"/>
-      </p:par>
-    </p:tnLst>
-  </p:timing>
 </p:sldLayout>
 </file>
 
@@ -15726,10 +15820,9 @@
           </a:lstStyle>
           <a:p>
             <a:r>
-              <a:rPr lang="en-US" dirty="0" smtClean="0"/>
+              <a:rPr lang="en-US" dirty="0"/>
               <a:t>Click to edit Master title style</a:t>
             </a:r>
-            <a:endParaRPr lang="en-US" dirty="0"/>
           </a:p>
         </p:txBody>
       </p:sp>
@@ -15846,7 +15939,7 @@
           <a:p>
             <a:pPr lvl="0"/>
             <a:r>
-              <a:rPr lang="en-US" smtClean="0"/>
+              <a:rPr lang="en-US"/>
               <a:t>Click to edit Master text styles</a:t>
             </a:r>
           </a:p>
@@ -15984,7 +16077,7 @@
           <a:p>
             <a:pPr lvl="0"/>
             <a:r>
-              <a:rPr lang="en-US" altLang="en-US" dirty="0" smtClean="0"/>
+              <a:rPr lang="en-US" altLang="en-US" dirty="0"/>
               <a:t>Click to edit Master title style</a:t>
             </a:r>
           </a:p>
@@ -16042,35 +16135,35 @@
           <a:p>
             <a:pPr lvl="0"/>
             <a:r>
-              <a:rPr lang="en-US" altLang="en-US" dirty="0" smtClean="0"/>
+              <a:rPr lang="en-US" altLang="en-US" dirty="0"/>
               <a:t>Click to edit Master text styles</a:t>
             </a:r>
           </a:p>
           <a:p>
             <a:pPr lvl="1"/>
             <a:r>
-              <a:rPr lang="en-US" altLang="en-US" dirty="0" smtClean="0"/>
+              <a:rPr lang="en-US" altLang="en-US" dirty="0"/>
               <a:t>Second level</a:t>
             </a:r>
           </a:p>
           <a:p>
             <a:pPr lvl="2"/>
             <a:r>
-              <a:rPr lang="en-US" altLang="en-US" dirty="0" smtClean="0"/>
+              <a:rPr lang="en-US" altLang="en-US" dirty="0"/>
               <a:t>Third level</a:t>
             </a:r>
           </a:p>
           <a:p>
             <a:pPr lvl="3"/>
             <a:r>
-              <a:rPr lang="en-US" altLang="en-US" dirty="0" smtClean="0"/>
+              <a:rPr lang="en-US" altLang="en-US" dirty="0"/>
               <a:t>Fourth level</a:t>
             </a:r>
           </a:p>
           <a:p>
             <a:pPr lvl="4"/>
             <a:r>
-              <a:rPr lang="en-US" altLang="en-US" dirty="0" smtClean="0"/>
+              <a:rPr lang="en-US" altLang="en-US" dirty="0"/>
               <a:t>Fifth level</a:t>
             </a:r>
           </a:p>
@@ -16210,13 +16303,6 @@
       </p:transition>
     </mc:Fallback>
   </mc:AlternateContent>
-  <p:timing>
-    <p:tnLst>
-      <p:par>
-        <p:cTn id="1" dur="indefinite" restart="never" nodeType="tmRoot"/>
-      </p:par>
-    </p:tnLst>
-  </p:timing>
   <p:txStyles>
     <p:titleStyle>
       <a:lvl1pPr algn="l" defTabSz="514337" rtl="0" eaLnBrk="0" fontAlgn="base" hangingPunct="0">
@@ -16755,10 +16841,10 @@
           <a:p>
             <a:pPr lvl="0"/>
             <a:r>
-              <a:rPr lang="en-US" altLang="en-US" smtClean="0"/>
+              <a:rPr lang="en-US" altLang="en-US"/>
               <a:t>Click to edit Master title style</a:t>
             </a:r>
-            <a:endParaRPr lang="en-US" altLang="en-US" dirty="0" smtClean="0"/>
+            <a:endParaRPr lang="en-US" altLang="en-US" dirty="0"/>
           </a:p>
         </p:txBody>
       </p:sp>
@@ -16814,38 +16900,38 @@
           <a:p>
             <a:pPr lvl="0"/>
             <a:r>
-              <a:rPr lang="en-US" altLang="en-US" smtClean="0"/>
+              <a:rPr lang="en-US" altLang="en-US"/>
               <a:t>Edit Master text styles</a:t>
             </a:r>
           </a:p>
           <a:p>
             <a:pPr lvl="1"/>
             <a:r>
-              <a:rPr lang="en-US" altLang="en-US" smtClean="0"/>
+              <a:rPr lang="en-US" altLang="en-US"/>
               <a:t>Second level</a:t>
             </a:r>
           </a:p>
           <a:p>
             <a:pPr lvl="2"/>
             <a:r>
-              <a:rPr lang="en-US" altLang="en-US" smtClean="0"/>
+              <a:rPr lang="en-US" altLang="en-US"/>
               <a:t>Third level</a:t>
             </a:r>
           </a:p>
           <a:p>
             <a:pPr lvl="3"/>
             <a:r>
-              <a:rPr lang="en-US" altLang="en-US" smtClean="0"/>
+              <a:rPr lang="en-US" altLang="en-US"/>
               <a:t>Fourth level</a:t>
             </a:r>
           </a:p>
           <a:p>
             <a:pPr lvl="4"/>
             <a:r>
-              <a:rPr lang="en-US" altLang="en-US" smtClean="0"/>
+              <a:rPr lang="en-US" altLang="en-US"/>
               <a:t>Fifth level</a:t>
             </a:r>
-            <a:endParaRPr lang="en-US" altLang="en-US" dirty="0" smtClean="0"/>
+            <a:endParaRPr lang="en-US" altLang="en-US" dirty="0"/>
           </a:p>
         </p:txBody>
       </p:sp>
@@ -17072,13 +17158,6 @@
       </p:transition>
     </mc:Fallback>
   </mc:AlternateContent>
-  <p:timing>
-    <p:tnLst>
-      <p:par>
-        <p:cTn id="1" dur="indefinite" restart="never" nodeType="tmRoot"/>
-      </p:par>
-    </p:tnLst>
-  </p:timing>
   <p:txStyles>
     <p:titleStyle>
       <a:lvl1pPr algn="l" defTabSz="514337" rtl="0" eaLnBrk="1" fontAlgn="base" hangingPunct="1">
@@ -17563,17 +17642,16 @@
           <a:lstStyle/>
           <a:p>
             <a:r>
-              <a:rPr lang="en-US" dirty="0" smtClean="0"/>
+              <a:rPr lang="en-US" dirty="0"/>
               <a:t>Selection of Variable for Stratification:</a:t>
             </a:r>
             <a:br>
-              <a:rPr lang="en-US" dirty="0" smtClean="0"/>
+              <a:rPr lang="en-US" dirty="0"/>
             </a:br>
             <a:r>
-              <a:rPr lang="en-US" dirty="0" smtClean="0"/>
+              <a:rPr lang="en-US" dirty="0"/>
               <a:t>Sales vs. Inventory</a:t>
             </a:r>
-            <a:endParaRPr lang="en-US" dirty="0"/>
           </a:p>
         </p:txBody>
       </p:sp>
@@ -17593,21 +17671,20 @@
           <a:lstStyle/>
           <a:p>
             <a:r>
-              <a:rPr lang="en-US" dirty="0" smtClean="0"/>
+              <a:rPr lang="en-US" dirty="0"/>
               <a:t>Kaitlin </a:t>
             </a:r>
             <a:r>
-              <a:rPr lang="en-US" dirty="0" err="1" smtClean="0"/>
+              <a:rPr lang="en-US" dirty="0" err="1"/>
               <a:t>Kirasich</a:t>
             </a:r>
-            <a:endParaRPr lang="en-US" dirty="0" smtClean="0"/>
-          </a:p>
-          <a:p>
-            <a:r>
-              <a:rPr lang="en-US" dirty="0" smtClean="0"/>
+            <a:endParaRPr lang="en-US" dirty="0"/>
+          </a:p>
+          <a:p>
+            <a:r>
+              <a:rPr lang="en-US" dirty="0"/>
               <a:t>Dennis Murray</a:t>
             </a:r>
-            <a:endParaRPr lang="en-US" dirty="0"/>
           </a:p>
         </p:txBody>
       </p:sp>
@@ -17632,10 +17709,9 @@
           <a:lstStyle/>
           <a:p>
             <a:r>
-              <a:rPr lang="en-US" dirty="0" smtClean="0"/>
+              <a:rPr lang="en-US" dirty="0"/>
               <a:t>MSDS 6370 – Spring 2018</a:t>
             </a:r>
-            <a:endParaRPr lang="en-US" dirty="0"/>
           </a:p>
         </p:txBody>
       </p:sp>
@@ -17652,13 +17728,820 @@
   <p:transition>
     <p:fade/>
   </p:transition>
-  <p:timing>
-    <p:tnLst>
-      <p:par>
-        <p:cTn id="1" dur="indefinite" restart="never" nodeType="tmRoot"/>
-      </p:par>
-    </p:tnLst>
-  </p:timing>
+</p:sld>
+</file>
+
+<file path=ppt/slides/slide10.xml><?xml version="1.0" encoding="utf-8"?>
+<p:sld xmlns:a="http://schemas.openxmlformats.org/drawingml/2006/main" xmlns:r="http://schemas.openxmlformats.org/officeDocument/2006/relationships" xmlns:p="http://schemas.openxmlformats.org/presentationml/2006/main">
+  <p:cSld>
+    <p:spTree>
+      <p:nvGrpSpPr>
+        <p:cNvPr id="1" name=""/>
+        <p:cNvGrpSpPr/>
+        <p:nvPr/>
+      </p:nvGrpSpPr>
+      <p:grpSpPr>
+        <a:xfrm>
+          <a:off x="0" y="0"/>
+          <a:ext cx="0" cy="0"/>
+          <a:chOff x="0" y="0"/>
+          <a:chExt cx="0" cy="0"/>
+        </a:xfrm>
+      </p:grpSpPr>
+      <p:sp>
+        <p:nvSpPr>
+          <p:cNvPr id="2" name="Title 1"/>
+          <p:cNvSpPr>
+            <a:spLocks noGrp="1"/>
+          </p:cNvSpPr>
+          <p:nvPr>
+            <p:ph type="title"/>
+          </p:nvPr>
+        </p:nvSpPr>
+        <p:spPr/>
+        <p:txBody>
+          <a:bodyPr/>
+          <a:lstStyle/>
+          <a:p>
+            <a:r>
+              <a:rPr lang="en-US" dirty="0"/>
+              <a:t>Stratification - Inventory</a:t>
+            </a:r>
+          </a:p>
+        </p:txBody>
+      </p:sp>
+      <p:sp>
+        <p:nvSpPr>
+          <p:cNvPr id="3" name="Content Placeholder 2"/>
+          <p:cNvSpPr>
+            <a:spLocks noGrp="1"/>
+          </p:cNvSpPr>
+          <p:nvPr>
+            <p:ph idx="1"/>
+          </p:nvPr>
+        </p:nvSpPr>
+        <p:spPr/>
+        <p:txBody>
+          <a:bodyPr/>
+          <a:lstStyle/>
+          <a:p>
+            <a:r>
+              <a:rPr lang="en-US" dirty="0"/>
+              <a:t>Based on Scatterplots and Histograms, again guessed there were 6 to 10 clear groups of observations</a:t>
+            </a:r>
+          </a:p>
+          <a:p>
+            <a:r>
+              <a:rPr lang="en-US" dirty="0"/>
+              <a:t>Used R library </a:t>
+            </a:r>
+            <a:r>
+              <a:rPr lang="en-US" i="1" dirty="0"/>
+              <a:t>stratification, </a:t>
+            </a:r>
+            <a:r>
+              <a:rPr lang="en-US" dirty="0"/>
+              <a:t>the </a:t>
+            </a:r>
+            <a:r>
+              <a:rPr lang="en-US" dirty="0" err="1"/>
+              <a:t>strat.cumrootf</a:t>
+            </a:r>
+            <a:r>
+              <a:rPr lang="en-US" dirty="0"/>
+              <a:t>() function to perform the assignment of observations to strata and then perform the </a:t>
+            </a:r>
+            <a:r>
+              <a:rPr lang="en-US" dirty="0" err="1"/>
+              <a:t>Neyman</a:t>
+            </a:r>
+            <a:r>
+              <a:rPr lang="en-US" dirty="0"/>
+              <a:t> allocation</a:t>
+            </a:r>
+          </a:p>
+          <a:p>
+            <a:r>
+              <a:rPr lang="en-US" dirty="0"/>
+              <a:t>Tested 6, 7, and 8 (including certainty) </a:t>
+            </a:r>
+          </a:p>
+          <a:p>
+            <a:pPr lvl="1"/>
+            <a:r>
+              <a:rPr lang="en-US" dirty="0"/>
+              <a:t>8 Strata returned a lower standard error of the sum and was selected for the full stratification</a:t>
+            </a:r>
+          </a:p>
+        </p:txBody>
+      </p:sp>
+    </p:spTree>
+    <p:extLst>
+      <p:ext uri="{BB962C8B-B14F-4D97-AF65-F5344CB8AC3E}">
+        <p14:creationId xmlns:p14="http://schemas.microsoft.com/office/powerpoint/2010/main" val="1485703427"/>
+      </p:ext>
+    </p:extLst>
+  </p:cSld>
+  <p:clrMapOvr>
+    <a:masterClrMapping/>
+  </p:clrMapOvr>
+  <p:transition>
+    <p:fade/>
+  </p:transition>
+</p:sld>
+</file>
+
+<file path=ppt/slides/slide11.xml><?xml version="1.0" encoding="utf-8"?>
+<p:sld xmlns:a="http://schemas.openxmlformats.org/drawingml/2006/main" xmlns:r="http://schemas.openxmlformats.org/officeDocument/2006/relationships" xmlns:p="http://schemas.openxmlformats.org/presentationml/2006/main">
+  <p:cSld>
+    <p:spTree>
+      <p:nvGrpSpPr>
+        <p:cNvPr id="1" name=""/>
+        <p:cNvGrpSpPr/>
+        <p:nvPr/>
+      </p:nvGrpSpPr>
+      <p:grpSpPr>
+        <a:xfrm>
+          <a:off x="0" y="0"/>
+          <a:ext cx="0" cy="0"/>
+          <a:chOff x="0" y="0"/>
+          <a:chExt cx="0" cy="0"/>
+        </a:xfrm>
+      </p:grpSpPr>
+      <p:sp>
+        <p:nvSpPr>
+          <p:cNvPr id="2" name="Title 1"/>
+          <p:cNvSpPr>
+            <a:spLocks noGrp="1"/>
+          </p:cNvSpPr>
+          <p:nvPr>
+            <p:ph type="title"/>
+          </p:nvPr>
+        </p:nvSpPr>
+        <p:spPr/>
+        <p:txBody>
+          <a:bodyPr/>
+          <a:lstStyle/>
+          <a:p>
+            <a:r>
+              <a:rPr lang="en-US" dirty="0"/>
+              <a:t>Results – Inventory Eight Strata Allocation</a:t>
+            </a:r>
+          </a:p>
+        </p:txBody>
+      </p:sp>
+      <p:sp>
+        <p:nvSpPr>
+          <p:cNvPr id="5" name="Rectangle 4"/>
+          <p:cNvSpPr/>
+          <p:nvPr/>
+        </p:nvSpPr>
+        <p:spPr>
+          <a:xfrm>
+            <a:off x="2237867" y="4283120"/>
+            <a:ext cx="4668266" cy="646331"/>
+          </a:xfrm>
+          <a:prstGeom prst="rect">
+            <a:avLst/>
+          </a:prstGeom>
+        </p:spPr>
+        <p:txBody>
+          <a:bodyPr wrap="none">
+            <a:spAutoFit/>
+          </a:bodyPr>
+          <a:lstStyle/>
+          <a:p>
+            <a:pPr algn="ctr"/>
+            <a:r>
+              <a:rPr lang="de-DE" dirty="0">
+                <a:solidFill>
+                  <a:schemeClr val="bg1"/>
+                </a:solidFill>
+                <a:ea typeface="Futura Com Book" panose="02000504030000020003" pitchFamily="2" charset="0"/>
+                <a:cs typeface="Times New Roman" panose="02020603050405020304" pitchFamily="18" charset="0"/>
+              </a:rPr>
+              <a:t>True </a:t>
+            </a:r>
+            <a:r>
+              <a:rPr lang="de-DE" dirty="0" err="1">
+                <a:solidFill>
+                  <a:schemeClr val="bg1"/>
+                </a:solidFill>
+                <a:ea typeface="Futura Com Book" panose="02000504030000020003" pitchFamily="2" charset="0"/>
+                <a:cs typeface="Times New Roman" panose="02020603050405020304" pitchFamily="18" charset="0"/>
+              </a:rPr>
+              <a:t>Sum</a:t>
+            </a:r>
+            <a:r>
+              <a:rPr lang="de-DE" dirty="0">
+                <a:solidFill>
+                  <a:schemeClr val="bg1"/>
+                </a:solidFill>
+                <a:ea typeface="Futura Com Book" panose="02000504030000020003" pitchFamily="2" charset="0"/>
+                <a:cs typeface="Times New Roman" panose="02020603050405020304" pitchFamily="18" charset="0"/>
+              </a:rPr>
+              <a:t> </a:t>
+            </a:r>
+            <a:r>
+              <a:rPr lang="de-DE" dirty="0" err="1">
+                <a:solidFill>
+                  <a:schemeClr val="bg1"/>
+                </a:solidFill>
+                <a:ea typeface="Futura Com Book" panose="02000504030000020003" pitchFamily="2" charset="0"/>
+                <a:cs typeface="Times New Roman" panose="02020603050405020304" pitchFamily="18" charset="0"/>
+              </a:rPr>
+              <a:t>of</a:t>
+            </a:r>
+            <a:r>
+              <a:rPr lang="de-DE" dirty="0">
+                <a:solidFill>
+                  <a:schemeClr val="bg1"/>
+                </a:solidFill>
+                <a:ea typeface="Futura Com Book" panose="02000504030000020003" pitchFamily="2" charset="0"/>
+                <a:cs typeface="Times New Roman" panose="02020603050405020304" pitchFamily="18" charset="0"/>
+              </a:rPr>
+              <a:t> </a:t>
+            </a:r>
+            <a:r>
+              <a:rPr lang="de-DE" dirty="0" err="1">
+                <a:solidFill>
+                  <a:schemeClr val="bg1"/>
+                </a:solidFill>
+                <a:ea typeface="Futura Com Book" panose="02000504030000020003" pitchFamily="2" charset="0"/>
+                <a:cs typeface="Times New Roman" panose="02020603050405020304" pitchFamily="18" charset="0"/>
+              </a:rPr>
+              <a:t>Inventory</a:t>
+            </a:r>
+            <a:r>
+              <a:rPr lang="de-DE" dirty="0">
+                <a:solidFill>
+                  <a:schemeClr val="bg1"/>
+                </a:solidFill>
+                <a:ea typeface="Futura Com Book" panose="02000504030000020003" pitchFamily="2" charset="0"/>
+                <a:cs typeface="Times New Roman" panose="02020603050405020304" pitchFamily="18" charset="0"/>
+              </a:rPr>
+              <a:t>: 1,745,954,823</a:t>
+            </a:r>
+          </a:p>
+          <a:p>
+            <a:pPr algn="ctr"/>
+            <a:r>
+              <a:rPr lang="de-DE" dirty="0">
+                <a:solidFill>
+                  <a:schemeClr val="bg1"/>
+                </a:solidFill>
+                <a:cs typeface="Times New Roman" panose="02020603050405020304" pitchFamily="18" charset="0"/>
+              </a:rPr>
+              <a:t>All Samples are Within Confidence Intervals</a:t>
+            </a:r>
+            <a:endParaRPr lang="en-US" dirty="0">
+              <a:solidFill>
+                <a:schemeClr val="bg1"/>
+              </a:solidFill>
+            </a:endParaRPr>
+          </a:p>
+        </p:txBody>
+      </p:sp>
+      <p:pic>
+        <p:nvPicPr>
+          <p:cNvPr id="8" name="Picture 7">
+            <a:extLst>
+              <a:ext uri="{FF2B5EF4-FFF2-40B4-BE49-F238E27FC236}">
+                <a16:creationId xmlns:a16="http://schemas.microsoft.com/office/drawing/2014/main" id="{0766B341-66C5-F644-84B0-F080EB25FE79}"/>
+              </a:ext>
+            </a:extLst>
+          </p:cNvPr>
+          <p:cNvPicPr>
+            <a:picLocks noChangeAspect="1"/>
+          </p:cNvPicPr>
+          <p:nvPr/>
+        </p:nvPicPr>
+        <p:blipFill>
+          <a:blip r:embed="rId3">
+            <a:extLst>
+              <a:ext uri="{28A0092B-C50C-407E-A947-70E740481C1C}">
+                <a14:useLocalDpi xmlns:a14="http://schemas.microsoft.com/office/drawing/2010/main" val="0"/>
+              </a:ext>
+            </a:extLst>
+          </a:blip>
+          <a:stretch>
+            <a:fillRect/>
+          </a:stretch>
+        </p:blipFill>
+        <p:spPr>
+          <a:xfrm>
+            <a:off x="0" y="1598984"/>
+            <a:ext cx="9144000" cy="1945532"/>
+          </a:xfrm>
+          <a:prstGeom prst="rect">
+            <a:avLst/>
+          </a:prstGeom>
+        </p:spPr>
+      </p:pic>
+    </p:spTree>
+    <p:extLst>
+      <p:ext uri="{BB962C8B-B14F-4D97-AF65-F5344CB8AC3E}">
+        <p14:creationId xmlns:p14="http://schemas.microsoft.com/office/powerpoint/2010/main" val="2619367923"/>
+      </p:ext>
+    </p:extLst>
+  </p:cSld>
+  <p:clrMapOvr>
+    <a:masterClrMapping/>
+  </p:clrMapOvr>
+  <p:transition>
+    <p:fade/>
+  </p:transition>
+</p:sld>
+</file>
+
+<file path=ppt/slides/slide12.xml><?xml version="1.0" encoding="utf-8"?>
+<p:sld xmlns:a="http://schemas.openxmlformats.org/drawingml/2006/main" xmlns:r="http://schemas.openxmlformats.org/officeDocument/2006/relationships" xmlns:p="http://schemas.openxmlformats.org/presentationml/2006/main">
+  <p:cSld>
+    <p:spTree>
+      <p:nvGrpSpPr>
+        <p:cNvPr id="1" name=""/>
+        <p:cNvGrpSpPr/>
+        <p:nvPr/>
+      </p:nvGrpSpPr>
+      <p:grpSpPr>
+        <a:xfrm>
+          <a:off x="0" y="0"/>
+          <a:ext cx="0" cy="0"/>
+          <a:chOff x="0" y="0"/>
+          <a:chExt cx="0" cy="0"/>
+        </a:xfrm>
+      </p:grpSpPr>
+      <p:sp>
+        <p:nvSpPr>
+          <p:cNvPr id="2" name="Title 1"/>
+          <p:cNvSpPr>
+            <a:spLocks noGrp="1"/>
+          </p:cNvSpPr>
+          <p:nvPr>
+            <p:ph type="title"/>
+          </p:nvPr>
+        </p:nvSpPr>
+        <p:spPr/>
+        <p:txBody>
+          <a:bodyPr/>
+          <a:lstStyle/>
+          <a:p>
+            <a:r>
+              <a:rPr lang="en-US" dirty="0"/>
+              <a:t>Results – Inventory Eight Strata Allocation</a:t>
+            </a:r>
+          </a:p>
+        </p:txBody>
+      </p:sp>
+      <p:sp>
+        <p:nvSpPr>
+          <p:cNvPr id="3" name="Content Placeholder 2">
+            <a:extLst>
+              <a:ext uri="{FF2B5EF4-FFF2-40B4-BE49-F238E27FC236}">
+                <a16:creationId xmlns:a16="http://schemas.microsoft.com/office/drawing/2014/main" id="{068E0370-DCF9-C74A-93EE-8D5BF5B1C84F}"/>
+              </a:ext>
+            </a:extLst>
+          </p:cNvPr>
+          <p:cNvSpPr>
+            <a:spLocks noGrp="1"/>
+          </p:cNvSpPr>
+          <p:nvPr>
+            <p:ph idx="1"/>
+          </p:nvPr>
+        </p:nvSpPr>
+        <p:spPr/>
+        <p:txBody>
+          <a:bodyPr/>
+          <a:lstStyle/>
+          <a:p>
+            <a:r>
+              <a:rPr lang="de-DE" dirty="0" err="1">
+                <a:ea typeface="Futura Com Book" panose="02000504030000020003" pitchFamily="2" charset="0"/>
+                <a:cs typeface="Times New Roman" panose="02020603050405020304" pitchFamily="18" charset="0"/>
+              </a:rPr>
+              <a:t>Using</a:t>
+            </a:r>
+            <a:r>
+              <a:rPr lang="de-DE" dirty="0">
+                <a:ea typeface="Futura Com Book" panose="02000504030000020003" pitchFamily="2" charset="0"/>
+                <a:cs typeface="Times New Roman" panose="02020603050405020304" pitchFamily="18" charset="0"/>
+              </a:rPr>
+              <a:t> </a:t>
+            </a:r>
+            <a:r>
+              <a:rPr lang="de-DE" dirty="0" err="1">
+                <a:ea typeface="Futura Com Book" panose="02000504030000020003" pitchFamily="2" charset="0"/>
+                <a:cs typeface="Times New Roman" panose="02020603050405020304" pitchFamily="18" charset="0"/>
+              </a:rPr>
+              <a:t>our</a:t>
+            </a:r>
+            <a:r>
+              <a:rPr lang="de-DE" dirty="0">
+                <a:ea typeface="Futura Com Book" panose="02000504030000020003" pitchFamily="2" charset="0"/>
+                <a:cs typeface="Times New Roman" panose="02020603050405020304" pitchFamily="18" charset="0"/>
+              </a:rPr>
+              <a:t> </a:t>
+            </a:r>
+            <a:r>
+              <a:rPr lang="de-DE" dirty="0" err="1">
+                <a:ea typeface="Futura Com Book" panose="02000504030000020003" pitchFamily="2" charset="0"/>
+                <a:cs typeface="Times New Roman" panose="02020603050405020304" pitchFamily="18" charset="0"/>
+              </a:rPr>
+              <a:t>best</a:t>
+            </a:r>
+            <a:r>
+              <a:rPr lang="de-DE" dirty="0">
+                <a:ea typeface="Futura Com Book" panose="02000504030000020003" pitchFamily="2" charset="0"/>
+                <a:cs typeface="Times New Roman" panose="02020603050405020304" pitchFamily="18" charset="0"/>
+              </a:rPr>
+              <a:t> </a:t>
+            </a:r>
+            <a:r>
+              <a:rPr lang="de-DE" dirty="0" err="1">
+                <a:ea typeface="Futura Com Book" panose="02000504030000020003" pitchFamily="2" charset="0"/>
+                <a:cs typeface="Times New Roman" panose="02020603050405020304" pitchFamily="18" charset="0"/>
+              </a:rPr>
+              <a:t>seed</a:t>
+            </a:r>
+            <a:r>
+              <a:rPr lang="de-DE" dirty="0">
+                <a:ea typeface="Futura Com Book" panose="02000504030000020003" pitchFamily="2" charset="0"/>
+                <a:cs typeface="Times New Roman" panose="02020603050405020304" pitchFamily="18" charset="0"/>
+              </a:rPr>
+              <a:t> 101011, </a:t>
+            </a:r>
+            <a:r>
+              <a:rPr lang="de-DE" dirty="0" err="1">
+                <a:ea typeface="Futura Com Book" panose="02000504030000020003" pitchFamily="2" charset="0"/>
+                <a:cs typeface="Times New Roman" panose="02020603050405020304" pitchFamily="18" charset="0"/>
+              </a:rPr>
+              <a:t>estimate</a:t>
+            </a:r>
+            <a:r>
+              <a:rPr lang="de-DE" dirty="0">
+                <a:ea typeface="Futura Com Book" panose="02000504030000020003" pitchFamily="2" charset="0"/>
+                <a:cs typeface="Times New Roman" panose="02020603050405020304" pitchFamily="18" charset="0"/>
+              </a:rPr>
+              <a:t> </a:t>
+            </a:r>
+            <a:r>
+              <a:rPr lang="de-DE" dirty="0" err="1">
+                <a:ea typeface="Futura Com Book" panose="02000504030000020003" pitchFamily="2" charset="0"/>
+                <a:cs typeface="Times New Roman" panose="02020603050405020304" pitchFamily="18" charset="0"/>
+              </a:rPr>
+              <a:t>sales</a:t>
+            </a:r>
+            <a:r>
+              <a:rPr lang="de-DE" dirty="0">
+                <a:ea typeface="Futura Com Book" panose="02000504030000020003" pitchFamily="2" charset="0"/>
+                <a:cs typeface="Times New Roman" panose="02020603050405020304" pitchFamily="18" charset="0"/>
+              </a:rPr>
+              <a:t> total </a:t>
+            </a:r>
+            <a:r>
+              <a:rPr lang="de-DE" dirty="0" err="1">
+                <a:ea typeface="Futura Com Book" panose="02000504030000020003" pitchFamily="2" charset="0"/>
+                <a:cs typeface="Times New Roman" panose="02020603050405020304" pitchFamily="18" charset="0"/>
+              </a:rPr>
+              <a:t>sum</a:t>
+            </a:r>
+            <a:endParaRPr lang="de-DE" dirty="0">
+              <a:ea typeface="Futura Com Book" panose="02000504030000020003" pitchFamily="2" charset="0"/>
+              <a:cs typeface="Times New Roman" panose="02020603050405020304" pitchFamily="18" charset="0"/>
+            </a:endParaRPr>
+          </a:p>
+          <a:p>
+            <a:r>
+              <a:rPr lang="de-DE" dirty="0" err="1">
+                <a:ea typeface="Futura Com Book" panose="02000504030000020003" pitchFamily="2" charset="0"/>
+                <a:cs typeface="Times New Roman" panose="02020603050405020304" pitchFamily="18" charset="0"/>
+              </a:rPr>
+              <a:t>Estimated</a:t>
+            </a:r>
+            <a:r>
+              <a:rPr lang="de-DE" dirty="0">
+                <a:ea typeface="Futura Com Book" panose="02000504030000020003" pitchFamily="2" charset="0"/>
+                <a:cs typeface="Times New Roman" panose="02020603050405020304" pitchFamily="18" charset="0"/>
+              </a:rPr>
+              <a:t> </a:t>
+            </a:r>
+            <a:r>
+              <a:rPr lang="de-DE" dirty="0" err="1">
+                <a:ea typeface="Futura Com Book" panose="02000504030000020003" pitchFamily="2" charset="0"/>
+                <a:cs typeface="Times New Roman" panose="02020603050405020304" pitchFamily="18" charset="0"/>
+              </a:rPr>
+              <a:t>sum</a:t>
+            </a:r>
+            <a:r>
+              <a:rPr lang="de-DE" dirty="0">
+                <a:ea typeface="Futura Com Book" panose="02000504030000020003" pitchFamily="2" charset="0"/>
+                <a:cs typeface="Times New Roman" panose="02020603050405020304" pitchFamily="18" charset="0"/>
+              </a:rPr>
+              <a:t>: 1,349,489,489</a:t>
+            </a:r>
+          </a:p>
+          <a:p>
+            <a:r>
+              <a:rPr lang="de-DE" dirty="0">
+                <a:ea typeface="Futura Com Book" panose="02000504030000020003" pitchFamily="2" charset="0"/>
+                <a:cs typeface="Times New Roman" panose="02020603050405020304" pitchFamily="18" charset="0"/>
+              </a:rPr>
+              <a:t>True </a:t>
+            </a:r>
+            <a:r>
+              <a:rPr lang="de-DE" dirty="0" err="1">
+                <a:ea typeface="Futura Com Book" panose="02000504030000020003" pitchFamily="2" charset="0"/>
+                <a:cs typeface="Times New Roman" panose="02020603050405020304" pitchFamily="18" charset="0"/>
+              </a:rPr>
+              <a:t>Sum</a:t>
+            </a:r>
+            <a:r>
+              <a:rPr lang="de-DE" dirty="0">
+                <a:ea typeface="Futura Com Book" panose="02000504030000020003" pitchFamily="2" charset="0"/>
+                <a:cs typeface="Times New Roman" panose="02020603050405020304" pitchFamily="18" charset="0"/>
+              </a:rPr>
+              <a:t>: 1,388,810,308</a:t>
+            </a:r>
+          </a:p>
+          <a:p>
+            <a:r>
+              <a:rPr lang="de-DE" dirty="0">
+                <a:ea typeface="Futura Com Book" panose="02000504030000020003" pitchFamily="2" charset="0"/>
+                <a:cs typeface="Times New Roman" panose="02020603050405020304" pitchFamily="18" charset="0"/>
+              </a:rPr>
+              <a:t>Standard </a:t>
+            </a:r>
+            <a:r>
+              <a:rPr lang="de-DE" dirty="0" err="1">
+                <a:ea typeface="Futura Com Book" panose="02000504030000020003" pitchFamily="2" charset="0"/>
+                <a:cs typeface="Times New Roman" panose="02020603050405020304" pitchFamily="18" charset="0"/>
+              </a:rPr>
+              <a:t>error</a:t>
+            </a:r>
+            <a:r>
+              <a:rPr lang="de-DE" dirty="0">
+                <a:ea typeface="Futura Com Book" panose="02000504030000020003" pitchFamily="2" charset="0"/>
+                <a:cs typeface="Times New Roman" panose="02020603050405020304" pitchFamily="18" charset="0"/>
+              </a:rPr>
+              <a:t>: 29,053,333</a:t>
+            </a:r>
+          </a:p>
+          <a:p>
+            <a:r>
+              <a:rPr lang="de-DE" dirty="0" err="1">
+                <a:ea typeface="Futura Com Book" panose="02000504030000020003" pitchFamily="2" charset="0"/>
+                <a:cs typeface="Times New Roman" panose="02020603050405020304" pitchFamily="18" charset="0"/>
+              </a:rPr>
+              <a:t>Interval</a:t>
+            </a:r>
+            <a:r>
+              <a:rPr lang="de-DE" dirty="0">
+                <a:ea typeface="Futura Com Book" panose="02000504030000020003" pitchFamily="2" charset="0"/>
+                <a:cs typeface="Times New Roman" panose="02020603050405020304" pitchFamily="18" charset="0"/>
+              </a:rPr>
+              <a:t>: 1,292,405,290 </a:t>
+            </a:r>
+            <a:r>
+              <a:rPr lang="de-DE" dirty="0" err="1">
+                <a:ea typeface="Futura Com Book" panose="02000504030000020003" pitchFamily="2" charset="0"/>
+                <a:cs typeface="Times New Roman" panose="02020603050405020304" pitchFamily="18" charset="0"/>
+              </a:rPr>
+              <a:t>to</a:t>
+            </a:r>
+            <a:r>
+              <a:rPr lang="de-DE" dirty="0">
+                <a:ea typeface="Futura Com Book" panose="02000504030000020003" pitchFamily="2" charset="0"/>
+                <a:cs typeface="Times New Roman" panose="02020603050405020304" pitchFamily="18" charset="0"/>
+              </a:rPr>
+              <a:t> 1,406,573,688</a:t>
+            </a:r>
+          </a:p>
+          <a:p>
+            <a:r>
+              <a:rPr lang="de-DE" dirty="0" err="1">
+                <a:ea typeface="Futura Com Book" panose="02000504030000020003" pitchFamily="2" charset="0"/>
+                <a:cs typeface="Times New Roman" panose="02020603050405020304" pitchFamily="18" charset="0"/>
+              </a:rPr>
+              <a:t>Captures</a:t>
+            </a:r>
+            <a:r>
+              <a:rPr lang="de-DE" dirty="0">
+                <a:ea typeface="Futura Com Book" panose="02000504030000020003" pitchFamily="2" charset="0"/>
+                <a:cs typeface="Times New Roman" panose="02020603050405020304" pitchFamily="18" charset="0"/>
+              </a:rPr>
+              <a:t> </a:t>
+            </a:r>
+            <a:r>
+              <a:rPr lang="de-DE" dirty="0" err="1">
+                <a:ea typeface="Futura Com Book" panose="02000504030000020003" pitchFamily="2" charset="0"/>
+                <a:cs typeface="Times New Roman" panose="02020603050405020304" pitchFamily="18" charset="0"/>
+              </a:rPr>
+              <a:t>true</a:t>
+            </a:r>
+            <a:r>
+              <a:rPr lang="de-DE" dirty="0">
+                <a:ea typeface="Futura Com Book" panose="02000504030000020003" pitchFamily="2" charset="0"/>
+                <a:cs typeface="Times New Roman" panose="02020603050405020304" pitchFamily="18" charset="0"/>
+              </a:rPr>
+              <a:t> </a:t>
+            </a:r>
+            <a:r>
+              <a:rPr lang="de-DE" dirty="0" err="1">
+                <a:ea typeface="Futura Com Book" panose="02000504030000020003" pitchFamily="2" charset="0"/>
+                <a:cs typeface="Times New Roman" panose="02020603050405020304" pitchFamily="18" charset="0"/>
+              </a:rPr>
+              <a:t>sum</a:t>
+            </a:r>
+            <a:r>
+              <a:rPr lang="de-DE" dirty="0">
+                <a:ea typeface="Futura Com Book" panose="02000504030000020003" pitchFamily="2" charset="0"/>
+                <a:cs typeface="Times New Roman" panose="02020603050405020304" pitchFamily="18" charset="0"/>
+              </a:rPr>
+              <a:t> in </a:t>
+            </a:r>
+            <a:r>
+              <a:rPr lang="de-DE" dirty="0" err="1">
+                <a:ea typeface="Futura Com Book" panose="02000504030000020003" pitchFamily="2" charset="0"/>
+                <a:cs typeface="Times New Roman" panose="02020603050405020304" pitchFamily="18" charset="0"/>
+              </a:rPr>
+              <a:t>interval</a:t>
+            </a:r>
+            <a:r>
+              <a:rPr lang="de-DE" dirty="0">
+                <a:ea typeface="Futura Com Book" panose="02000504030000020003" pitchFamily="2" charset="0"/>
+                <a:cs typeface="Times New Roman" panose="02020603050405020304" pitchFamily="18" charset="0"/>
+              </a:rPr>
+              <a:t> but </a:t>
+            </a:r>
+            <a:r>
+              <a:rPr lang="de-DE" dirty="0" err="1">
+                <a:ea typeface="Futura Com Book" panose="02000504030000020003" pitchFamily="2" charset="0"/>
+                <a:cs typeface="Times New Roman" panose="02020603050405020304" pitchFamily="18" charset="0"/>
+              </a:rPr>
+              <a:t>has</a:t>
+            </a:r>
+            <a:r>
+              <a:rPr lang="de-DE" dirty="0">
+                <a:ea typeface="Futura Com Book" panose="02000504030000020003" pitchFamily="2" charset="0"/>
+                <a:cs typeface="Times New Roman" panose="02020603050405020304" pitchFamily="18" charset="0"/>
+              </a:rPr>
+              <a:t> large </a:t>
+            </a:r>
+            <a:r>
+              <a:rPr lang="de-DE" dirty="0" err="1">
+                <a:ea typeface="Futura Com Book" panose="02000504030000020003" pitchFamily="2" charset="0"/>
+                <a:cs typeface="Times New Roman" panose="02020603050405020304" pitchFamily="18" charset="0"/>
+              </a:rPr>
+              <a:t>standard</a:t>
+            </a:r>
+            <a:r>
+              <a:rPr lang="de-DE" dirty="0">
+                <a:ea typeface="Futura Com Book" panose="02000504030000020003" pitchFamily="2" charset="0"/>
+                <a:cs typeface="Times New Roman" panose="02020603050405020304" pitchFamily="18" charset="0"/>
+              </a:rPr>
+              <a:t> </a:t>
+            </a:r>
+            <a:r>
+              <a:rPr lang="de-DE" dirty="0" err="1">
+                <a:ea typeface="Futura Com Book" panose="02000504030000020003" pitchFamily="2" charset="0"/>
+                <a:cs typeface="Times New Roman" panose="02020603050405020304" pitchFamily="18" charset="0"/>
+              </a:rPr>
+              <a:t>error</a:t>
+            </a:r>
+            <a:endParaRPr lang="de-DE" dirty="0">
+              <a:ea typeface="Futura Com Book" panose="02000504030000020003" pitchFamily="2" charset="0"/>
+              <a:cs typeface="Times New Roman" panose="02020603050405020304" pitchFamily="18" charset="0"/>
+            </a:endParaRPr>
+          </a:p>
+          <a:p>
+            <a:endParaRPr lang="en-US" dirty="0"/>
+          </a:p>
+        </p:txBody>
+      </p:sp>
+    </p:spTree>
+    <p:extLst>
+      <p:ext uri="{BB962C8B-B14F-4D97-AF65-F5344CB8AC3E}">
+        <p14:creationId xmlns:p14="http://schemas.microsoft.com/office/powerpoint/2010/main" val="3753501486"/>
+      </p:ext>
+    </p:extLst>
+  </p:cSld>
+  <p:clrMapOvr>
+    <a:masterClrMapping/>
+  </p:clrMapOvr>
+  <p:transition>
+    <p:fade/>
+  </p:transition>
+</p:sld>
+</file>
+
+<file path=ppt/slides/slide13.xml><?xml version="1.0" encoding="utf-8"?>
+<p:sld xmlns:a="http://schemas.openxmlformats.org/drawingml/2006/main" xmlns:r="http://schemas.openxmlformats.org/officeDocument/2006/relationships" xmlns:p="http://schemas.openxmlformats.org/presentationml/2006/main">
+  <p:cSld>
+    <p:spTree>
+      <p:nvGrpSpPr>
+        <p:cNvPr id="1" name=""/>
+        <p:cNvGrpSpPr/>
+        <p:nvPr/>
+      </p:nvGrpSpPr>
+      <p:grpSpPr>
+        <a:xfrm>
+          <a:off x="0" y="0"/>
+          <a:ext cx="0" cy="0"/>
+          <a:chOff x="0" y="0"/>
+          <a:chExt cx="0" cy="0"/>
+        </a:xfrm>
+      </p:grpSpPr>
+      <p:sp>
+        <p:nvSpPr>
+          <p:cNvPr id="2" name="Title 1">
+            <a:extLst>
+              <a:ext uri="{FF2B5EF4-FFF2-40B4-BE49-F238E27FC236}">
+                <a16:creationId xmlns:a16="http://schemas.microsoft.com/office/drawing/2014/main" id="{4EC17F0B-1EDB-0344-9F8E-E956FB1B018C}"/>
+              </a:ext>
+            </a:extLst>
+          </p:cNvPr>
+          <p:cNvSpPr>
+            <a:spLocks noGrp="1"/>
+          </p:cNvSpPr>
+          <p:nvPr>
+            <p:ph type="title"/>
+          </p:nvPr>
+        </p:nvSpPr>
+        <p:spPr/>
+        <p:txBody>
+          <a:bodyPr/>
+          <a:lstStyle/>
+          <a:p>
+            <a:r>
+              <a:rPr lang="en-US"/>
+              <a:t>Conclusion</a:t>
+            </a:r>
+            <a:endParaRPr lang="en-US" dirty="0"/>
+          </a:p>
+        </p:txBody>
+      </p:sp>
+      <p:sp>
+        <p:nvSpPr>
+          <p:cNvPr id="3" name="Content Placeholder 2">
+            <a:extLst>
+              <a:ext uri="{FF2B5EF4-FFF2-40B4-BE49-F238E27FC236}">
+                <a16:creationId xmlns:a16="http://schemas.microsoft.com/office/drawing/2014/main" id="{EFABF58A-8BF8-3043-97EE-F4E7B3E5D2DC}"/>
+              </a:ext>
+            </a:extLst>
+          </p:cNvPr>
+          <p:cNvSpPr>
+            <a:spLocks noGrp="1"/>
+          </p:cNvSpPr>
+          <p:nvPr>
+            <p:ph idx="1"/>
+          </p:nvPr>
+        </p:nvSpPr>
+        <p:spPr/>
+        <p:txBody>
+          <a:bodyPr/>
+          <a:lstStyle/>
+          <a:p>
+            <a:r>
+              <a:rPr lang="en-US" dirty="0"/>
+              <a:t>Stratification by sales and stratification by inventory both return an estimate of the sum that captures the true sum of both inventory and sales in its confidence interval</a:t>
+            </a:r>
+          </a:p>
+          <a:p>
+            <a:r>
+              <a:rPr lang="en-US" dirty="0"/>
+              <a:t>Makes sense because of high correlation of 0.83</a:t>
+            </a:r>
+          </a:p>
+          <a:p>
+            <a:r>
+              <a:rPr lang="en-US" dirty="0"/>
+              <a:t>Stratification by sales will return a more precise estimate of sum of sales than stratification by inventory</a:t>
+            </a:r>
+          </a:p>
+          <a:p>
+            <a:r>
+              <a:rPr lang="en-US" dirty="0"/>
+              <a:t>Since a higher priority is given to estimation of sales, we choose stratification by sales as best sample design</a:t>
+            </a:r>
+          </a:p>
+          <a:p>
+            <a:endParaRPr lang="en-US" dirty="0"/>
+          </a:p>
+        </p:txBody>
+      </p:sp>
+    </p:spTree>
+    <p:extLst>
+      <p:ext uri="{BB962C8B-B14F-4D97-AF65-F5344CB8AC3E}">
+        <p14:creationId xmlns:p14="http://schemas.microsoft.com/office/powerpoint/2010/main" val="121998921"/>
+      </p:ext>
+    </p:extLst>
+  </p:cSld>
+  <p:clrMapOvr>
+    <a:masterClrMapping/>
+  </p:clrMapOvr>
+  <p:transition>
+    <p:fade/>
+  </p:transition>
 </p:sld>
 </file>
 
@@ -17695,10 +18578,9 @@
           <a:lstStyle/>
           <a:p>
             <a:r>
-              <a:rPr lang="en-US" dirty="0" smtClean="0"/>
+              <a:rPr lang="en-US" dirty="0"/>
               <a:t>Data Exploration – Sales</a:t>
             </a:r>
-            <a:endParaRPr lang="en-US" dirty="0"/>
           </a:p>
         </p:txBody>
       </p:sp>
@@ -17726,7 +18608,7 @@
           <a:p>
             <a:pPr algn="ctr"/>
             <a:r>
-              <a:rPr lang="en-US" sz="2400" dirty="0" smtClean="0">
+              <a:rPr lang="en-US" sz="2400" dirty="0">
                 <a:solidFill>
                   <a:schemeClr val="bg1"/>
                 </a:solidFill>
@@ -17737,7 +18619,7 @@
           <a:p>
             <a:pPr algn="ctr"/>
             <a:r>
-              <a:rPr lang="en-US" sz="2400" dirty="0" smtClean="0">
+              <a:rPr lang="en-US" sz="2400" dirty="0">
                 <a:solidFill>
                   <a:schemeClr val="bg1"/>
                 </a:solidFill>
@@ -17748,7 +18630,7 @@
           <a:p>
             <a:pPr algn="ctr"/>
             <a:r>
-              <a:rPr lang="en-US" sz="2400" dirty="0" smtClean="0">
+              <a:rPr lang="en-US" sz="2400" dirty="0">
                 <a:solidFill>
                   <a:schemeClr val="bg1"/>
                 </a:solidFill>
@@ -17789,18 +18671,13 @@
           <a:lstStyle/>
           <a:p>
             <a:r>
-              <a:rPr lang="en-US" sz="900" dirty="0" smtClean="0">
+              <a:rPr lang="en-US" sz="900" dirty="0">
                 <a:solidFill>
                   <a:schemeClr val="bg1"/>
                 </a:solidFill>
               </a:rPr>
               <a:t>NOTE: X-AXIS SHOWN ON LOG BASE 10 SCALE</a:t>
             </a:r>
-            <a:endParaRPr lang="en-US" sz="900" dirty="0">
-              <a:solidFill>
-                <a:schemeClr val="bg1"/>
-              </a:solidFill>
-            </a:endParaRPr>
           </a:p>
         </p:txBody>
       </p:sp>
@@ -17847,13 +18724,6 @@
   <p:transition>
     <p:fade/>
   </p:transition>
-  <p:timing>
-    <p:tnLst>
-      <p:par>
-        <p:cTn id="1" dur="indefinite" restart="never" nodeType="tmRoot"/>
-      </p:par>
-    </p:tnLst>
-  </p:timing>
 </p:sld>
 </file>
 
@@ -17890,10 +18760,9 @@
           <a:lstStyle/>
           <a:p>
             <a:r>
-              <a:rPr lang="en-US" dirty="0" smtClean="0"/>
+              <a:rPr lang="en-US" dirty="0"/>
               <a:t>Data Exploration – Sales vs. Inventory</a:t>
             </a:r>
-            <a:endParaRPr lang="en-US" dirty="0"/>
           </a:p>
         </p:txBody>
       </p:sp>
@@ -17951,7 +18820,7 @@
           <a:p>
             <a:pPr algn="ctr"/>
             <a:r>
-              <a:rPr lang="en-US" sz="2400" dirty="0" smtClean="0">
+              <a:rPr lang="en-US" sz="2400" dirty="0">
                 <a:solidFill>
                   <a:schemeClr val="bg1"/>
                 </a:solidFill>
@@ -17959,18 +18828,13 @@
               <a:t>Correlation between Sales and Inventory: </a:t>
             </a:r>
             <a:r>
-              <a:rPr lang="en-US" sz="2400" b="1" dirty="0" smtClean="0">
+              <a:rPr lang="en-US" sz="2400" b="1" dirty="0">
                 <a:solidFill>
                   <a:schemeClr val="bg1"/>
                 </a:solidFill>
               </a:rPr>
               <a:t>0.83</a:t>
             </a:r>
-            <a:endParaRPr lang="en-US" sz="2400" b="1" dirty="0">
-              <a:solidFill>
-                <a:schemeClr val="bg1"/>
-              </a:solidFill>
-            </a:endParaRPr>
           </a:p>
         </p:txBody>
       </p:sp>
@@ -17997,18 +18861,13 @@
           <a:lstStyle/>
           <a:p>
             <a:r>
-              <a:rPr lang="en-US" sz="900" dirty="0" smtClean="0">
+              <a:rPr lang="en-US" sz="900" dirty="0">
                 <a:solidFill>
                   <a:schemeClr val="bg1"/>
                 </a:solidFill>
               </a:rPr>
               <a:t>BOTH AXIS SHOWN ON LOG BASE 10 SCALE</a:t>
             </a:r>
-            <a:endParaRPr lang="en-US" sz="900" dirty="0">
-              <a:solidFill>
-                <a:schemeClr val="bg1"/>
-              </a:solidFill>
-            </a:endParaRPr>
           </a:p>
         </p:txBody>
       </p:sp>
@@ -18025,13 +18884,6 @@
   <p:transition>
     <p:fade/>
   </p:transition>
-  <p:timing>
-    <p:tnLst>
-      <p:par>
-        <p:cTn id="1" dur="indefinite" restart="never" nodeType="tmRoot"/>
-      </p:par>
-    </p:tnLst>
-  </p:timing>
 </p:sld>
 </file>
 
@@ -18068,10 +18920,9 @@
           <a:lstStyle/>
           <a:p>
             <a:r>
-              <a:rPr lang="en-US" dirty="0" smtClean="0"/>
+              <a:rPr lang="en-US" dirty="0"/>
               <a:t>Certainty Strata - Sales</a:t>
             </a:r>
-            <a:endParaRPr lang="en-US" dirty="0"/>
           </a:p>
         </p:txBody>
       </p:sp>
@@ -18128,7 +18979,7 @@
           <a:p>
             <a:pPr algn="ctr"/>
             <a:r>
-              <a:rPr lang="en-US" dirty="0" smtClean="0">
+              <a:rPr lang="en-US" dirty="0">
                 <a:solidFill>
                   <a:schemeClr val="bg1"/>
                 </a:solidFill>
@@ -18139,7 +18990,7 @@
           <a:p>
             <a:pPr algn="ctr"/>
             <a:r>
-              <a:rPr lang="en-US" dirty="0" smtClean="0">
+              <a:rPr lang="en-US" dirty="0">
                 <a:solidFill>
                   <a:schemeClr val="bg1"/>
                 </a:solidFill>
@@ -18170,13 +19021,6 @@
   <p:transition>
     <p:fade/>
   </p:transition>
-  <p:timing>
-    <p:tnLst>
-      <p:par>
-        <p:cTn id="1" dur="indefinite" restart="never" nodeType="tmRoot"/>
-      </p:par>
-    </p:tnLst>
-  </p:timing>
 </p:sld>
 </file>
 
@@ -18213,10 +19057,9 @@
           <a:lstStyle/>
           <a:p>
             <a:r>
-              <a:rPr lang="en-US" dirty="0" smtClean="0"/>
+              <a:rPr lang="en-US" dirty="0"/>
               <a:t>Stratification - Sales</a:t>
             </a:r>
-            <a:endParaRPr lang="en-US" dirty="0"/>
           </a:p>
         </p:txBody>
       </p:sp>
@@ -18236,53 +19079,52 @@
           <a:lstStyle/>
           <a:p>
             <a:r>
-              <a:rPr lang="en-US" dirty="0" smtClean="0"/>
+              <a:rPr lang="en-US" dirty="0"/>
               <a:t>Based on Scatterplots and Histograms, guessed there were 6 to 10 clear groups of observations</a:t>
             </a:r>
           </a:p>
           <a:p>
             <a:r>
-              <a:rPr lang="en-US" dirty="0" smtClean="0"/>
+              <a:rPr lang="en-US" dirty="0"/>
               <a:t>Used R library </a:t>
             </a:r>
             <a:r>
-              <a:rPr lang="en-US" i="1" dirty="0" smtClean="0"/>
+              <a:rPr lang="en-US" i="1" dirty="0"/>
               <a:t>stratification, </a:t>
             </a:r>
             <a:r>
-              <a:rPr lang="en-US" dirty="0" smtClean="0"/>
+              <a:rPr lang="en-US" dirty="0"/>
               <a:t>the </a:t>
             </a:r>
             <a:r>
-              <a:rPr lang="en-US" dirty="0" err="1" smtClean="0"/>
+              <a:rPr lang="en-US" dirty="0" err="1"/>
               <a:t>strat.cumrootf</a:t>
             </a:r>
             <a:r>
-              <a:rPr lang="en-US" dirty="0" smtClean="0"/>
+              <a:rPr lang="en-US" dirty="0"/>
               <a:t>() function to perform the assignment of observations to strata and then perform the </a:t>
             </a:r>
             <a:r>
-              <a:rPr lang="en-US" dirty="0" err="1" smtClean="0"/>
+              <a:rPr lang="en-US" dirty="0" err="1"/>
               <a:t>Neyman</a:t>
             </a:r>
             <a:r>
-              <a:rPr lang="en-US" dirty="0" smtClean="0"/>
+              <a:rPr lang="en-US" dirty="0"/>
               <a:t> allocation</a:t>
             </a:r>
           </a:p>
           <a:p>
             <a:r>
-              <a:rPr lang="en-US" dirty="0" smtClean="0"/>
+              <a:rPr lang="en-US" dirty="0"/>
               <a:t>Tested two different counts of strata – 7 and 8 (including certainty) </a:t>
             </a:r>
           </a:p>
           <a:p>
             <a:pPr lvl="1"/>
             <a:r>
-              <a:rPr lang="en-US" dirty="0" smtClean="0"/>
+              <a:rPr lang="en-US" dirty="0"/>
               <a:t>8 Strata returned a lower standard error of the sum than 7, and was selected for the full stratification</a:t>
             </a:r>
-            <a:endParaRPr lang="en-US" dirty="0"/>
           </a:p>
         </p:txBody>
       </p:sp>
@@ -18299,13 +19141,6 @@
   <p:transition>
     <p:fade/>
   </p:transition>
-  <p:timing>
-    <p:tnLst>
-      <p:par>
-        <p:cTn id="1" dur="indefinite" restart="never" nodeType="tmRoot"/>
-      </p:par>
-    </p:tnLst>
-  </p:timing>
 </p:sld>
 </file>
 
@@ -18342,10 +19177,9 @@
           <a:lstStyle/>
           <a:p>
             <a:r>
-              <a:rPr lang="en-US" dirty="0" smtClean="0"/>
-              <a:t>Results – Eight Strata Allocation</a:t>
-            </a:r>
-            <a:endParaRPr lang="en-US" dirty="0"/>
+              <a:rPr lang="en-US" dirty="0"/>
+              <a:t>Results – Sales Eight Strata Allocation</a:t>
+            </a:r>
           </a:p>
         </p:txBody>
       </p:sp>
@@ -20035,7 +20869,7 @@
           <a:p>
             <a:pPr algn="ctr"/>
             <a:r>
-              <a:rPr lang="de-DE" dirty="0" smtClean="0">
+              <a:rPr lang="de-DE" dirty="0">
                 <a:solidFill>
                   <a:schemeClr val="bg1"/>
                 </a:solidFill>
@@ -20048,7 +20882,7 @@
           <a:p>
             <a:pPr algn="ctr"/>
             <a:r>
-              <a:rPr lang="de-DE" dirty="0" smtClean="0">
+              <a:rPr lang="de-DE" dirty="0">
                 <a:solidFill>
                   <a:schemeClr val="bg1"/>
                 </a:solidFill>
@@ -20077,13 +20911,407 @@
   <p:transition>
     <p:fade/>
   </p:transition>
-  <p:timing>
-    <p:tnLst>
-      <p:par>
-        <p:cTn id="1" dur="indefinite" restart="never" nodeType="tmRoot"/>
-      </p:par>
-    </p:tnLst>
-  </p:timing>
+</p:sld>
+</file>
+
+<file path=ppt/slides/slide7.xml><?xml version="1.0" encoding="utf-8"?>
+<p:sld xmlns:a="http://schemas.openxmlformats.org/drawingml/2006/main" xmlns:r="http://schemas.openxmlformats.org/officeDocument/2006/relationships" xmlns:p="http://schemas.openxmlformats.org/presentationml/2006/main">
+  <p:cSld>
+    <p:spTree>
+      <p:nvGrpSpPr>
+        <p:cNvPr id="1" name=""/>
+        <p:cNvGrpSpPr/>
+        <p:nvPr/>
+      </p:nvGrpSpPr>
+      <p:grpSpPr>
+        <a:xfrm>
+          <a:off x="0" y="0"/>
+          <a:ext cx="0" cy="0"/>
+          <a:chOff x="0" y="0"/>
+          <a:chExt cx="0" cy="0"/>
+        </a:xfrm>
+      </p:grpSpPr>
+      <p:sp>
+        <p:nvSpPr>
+          <p:cNvPr id="2" name="Title 1">
+            <a:extLst>
+              <a:ext uri="{FF2B5EF4-FFF2-40B4-BE49-F238E27FC236}">
+                <a16:creationId xmlns:a16="http://schemas.microsoft.com/office/drawing/2014/main" id="{35D91AFC-6C20-DF48-8624-7B3D0493F23F}"/>
+              </a:ext>
+            </a:extLst>
+          </p:cNvPr>
+          <p:cNvSpPr>
+            <a:spLocks noGrp="1"/>
+          </p:cNvSpPr>
+          <p:nvPr>
+            <p:ph type="title"/>
+          </p:nvPr>
+        </p:nvSpPr>
+        <p:spPr>
+          <a:xfrm>
+            <a:off x="317899" y="1907182"/>
+            <a:ext cx="8555831" cy="1181100"/>
+          </a:xfrm>
+        </p:spPr>
+        <p:txBody>
+          <a:bodyPr/>
+          <a:lstStyle/>
+          <a:p>
+            <a:pPr algn="ctr"/>
+            <a:r>
+              <a:rPr lang="en-US" dirty="0"/>
+              <a:t>Stratification by Inventory</a:t>
+            </a:r>
+          </a:p>
+        </p:txBody>
+      </p:sp>
+    </p:spTree>
+    <p:extLst>
+      <p:ext uri="{BB962C8B-B14F-4D97-AF65-F5344CB8AC3E}">
+        <p14:creationId xmlns:p14="http://schemas.microsoft.com/office/powerpoint/2010/main" val="77454662"/>
+      </p:ext>
+    </p:extLst>
+  </p:cSld>
+  <p:clrMapOvr>
+    <a:masterClrMapping/>
+  </p:clrMapOvr>
+  <p:transition>
+    <p:fade/>
+  </p:transition>
+</p:sld>
+</file>
+
+<file path=ppt/slides/slide8.xml><?xml version="1.0" encoding="utf-8"?>
+<p:sld xmlns:a="http://schemas.openxmlformats.org/drawingml/2006/main" xmlns:r="http://schemas.openxmlformats.org/officeDocument/2006/relationships" xmlns:p="http://schemas.openxmlformats.org/presentationml/2006/main">
+  <p:cSld>
+    <p:spTree>
+      <p:nvGrpSpPr>
+        <p:cNvPr id="1" name=""/>
+        <p:cNvGrpSpPr/>
+        <p:nvPr/>
+      </p:nvGrpSpPr>
+      <p:grpSpPr>
+        <a:xfrm>
+          <a:off x="0" y="0"/>
+          <a:ext cx="0" cy="0"/>
+          <a:chOff x="0" y="0"/>
+          <a:chExt cx="0" cy="0"/>
+        </a:xfrm>
+      </p:grpSpPr>
+      <p:sp>
+        <p:nvSpPr>
+          <p:cNvPr id="2" name="Title 1"/>
+          <p:cNvSpPr>
+            <a:spLocks noGrp="1"/>
+          </p:cNvSpPr>
+          <p:nvPr>
+            <p:ph type="title"/>
+          </p:nvPr>
+        </p:nvSpPr>
+        <p:spPr/>
+        <p:txBody>
+          <a:bodyPr/>
+          <a:lstStyle/>
+          <a:p>
+            <a:r>
+              <a:rPr lang="en-US" dirty="0"/>
+              <a:t>Data Exploration – Inventory</a:t>
+            </a:r>
+          </a:p>
+        </p:txBody>
+      </p:sp>
+      <p:sp>
+        <p:nvSpPr>
+          <p:cNvPr id="5" name="TextBox 4"/>
+          <p:cNvSpPr txBox="1"/>
+          <p:nvPr/>
+        </p:nvSpPr>
+        <p:spPr>
+          <a:xfrm>
+            <a:off x="185853" y="3716448"/>
+            <a:ext cx="8816897" cy="1569660"/>
+          </a:xfrm>
+          <a:prstGeom prst="rect">
+            <a:avLst/>
+          </a:prstGeom>
+          <a:noFill/>
+        </p:spPr>
+        <p:txBody>
+          <a:bodyPr wrap="square" rtlCol="0">
+            <a:spAutoFit/>
+          </a:bodyPr>
+          <a:lstStyle/>
+          <a:p>
+            <a:pPr algn="ctr"/>
+            <a:r>
+              <a:rPr lang="en-US" sz="2400" dirty="0">
+                <a:solidFill>
+                  <a:schemeClr val="bg1"/>
+                </a:solidFill>
+              </a:rPr>
+              <a:t>Mean: 179774.1</a:t>
+            </a:r>
+          </a:p>
+          <a:p>
+            <a:pPr algn="ctr"/>
+            <a:r>
+              <a:rPr lang="en-US" sz="2400" dirty="0">
+                <a:solidFill>
+                  <a:schemeClr val="bg1"/>
+                </a:solidFill>
+              </a:rPr>
+              <a:t>Median: 55629.19</a:t>
+            </a:r>
+          </a:p>
+          <a:p>
+            <a:pPr algn="ctr"/>
+            <a:r>
+              <a:rPr lang="en-US" sz="2400" dirty="0">
+                <a:solidFill>
+                  <a:schemeClr val="bg1"/>
+                </a:solidFill>
+              </a:rPr>
+              <a:t>Long Tails in Both Ranges – From &lt;8000 to &gt;12Mil</a:t>
+            </a:r>
+          </a:p>
+          <a:p>
+            <a:pPr algn="ctr"/>
+            <a:endParaRPr lang="en-US" sz="2400" dirty="0">
+              <a:solidFill>
+                <a:schemeClr val="bg1"/>
+              </a:solidFill>
+            </a:endParaRPr>
+          </a:p>
+        </p:txBody>
+      </p:sp>
+      <p:sp>
+        <p:nvSpPr>
+          <p:cNvPr id="6" name="TextBox 5"/>
+          <p:cNvSpPr txBox="1"/>
+          <p:nvPr/>
+        </p:nvSpPr>
+        <p:spPr>
+          <a:xfrm>
+            <a:off x="0" y="4901453"/>
+            <a:ext cx="8458200" cy="230832"/>
+          </a:xfrm>
+          <a:prstGeom prst="rect">
+            <a:avLst/>
+          </a:prstGeom>
+          <a:noFill/>
+        </p:spPr>
+        <p:txBody>
+          <a:bodyPr wrap="square" rtlCol="0">
+            <a:spAutoFit/>
+          </a:bodyPr>
+          <a:lstStyle/>
+          <a:p>
+            <a:r>
+              <a:rPr lang="en-US" sz="900" dirty="0">
+                <a:solidFill>
+                  <a:schemeClr val="bg1"/>
+                </a:solidFill>
+              </a:rPr>
+              <a:t>NOTE: X-AXIS SHOWN ON LOG BASE 10 SCALE</a:t>
+            </a:r>
+          </a:p>
+        </p:txBody>
+      </p:sp>
+      <p:pic>
+        <p:nvPicPr>
+          <p:cNvPr id="7" name="Picture 6">
+            <a:extLst>
+              <a:ext uri="{FF2B5EF4-FFF2-40B4-BE49-F238E27FC236}">
+                <a16:creationId xmlns:a16="http://schemas.microsoft.com/office/drawing/2014/main" id="{7AD177BB-C5F5-4346-AB60-1776B1ACB004}"/>
+              </a:ext>
+            </a:extLst>
+          </p:cNvPr>
+          <p:cNvPicPr>
+            <a:picLocks noChangeAspect="1"/>
+          </p:cNvPicPr>
+          <p:nvPr/>
+        </p:nvPicPr>
+        <p:blipFill>
+          <a:blip r:embed="rId2">
+            <a:extLst>
+              <a:ext uri="{28A0092B-C50C-407E-A947-70E740481C1C}">
+                <a14:useLocalDpi xmlns:a14="http://schemas.microsoft.com/office/drawing/2010/main" val="0"/>
+              </a:ext>
+            </a:extLst>
+          </a:blip>
+          <a:stretch>
+            <a:fillRect/>
+          </a:stretch>
+        </p:blipFill>
+        <p:spPr>
+          <a:xfrm>
+            <a:off x="0" y="1657350"/>
+            <a:ext cx="9144000" cy="1828800"/>
+          </a:xfrm>
+          <a:prstGeom prst="rect">
+            <a:avLst/>
+          </a:prstGeom>
+        </p:spPr>
+      </p:pic>
+    </p:spTree>
+    <p:extLst>
+      <p:ext uri="{BB962C8B-B14F-4D97-AF65-F5344CB8AC3E}">
+        <p14:creationId xmlns:p14="http://schemas.microsoft.com/office/powerpoint/2010/main" val="167675587"/>
+      </p:ext>
+    </p:extLst>
+  </p:cSld>
+  <p:clrMapOvr>
+    <a:masterClrMapping/>
+  </p:clrMapOvr>
+  <p:transition>
+    <p:fade/>
+  </p:transition>
+</p:sld>
+</file>
+
+<file path=ppt/slides/slide9.xml><?xml version="1.0" encoding="utf-8"?>
+<p:sld xmlns:a="http://schemas.openxmlformats.org/drawingml/2006/main" xmlns:r="http://schemas.openxmlformats.org/officeDocument/2006/relationships" xmlns:p="http://schemas.openxmlformats.org/presentationml/2006/main">
+  <p:cSld>
+    <p:spTree>
+      <p:nvGrpSpPr>
+        <p:cNvPr id="1" name=""/>
+        <p:cNvGrpSpPr/>
+        <p:nvPr/>
+      </p:nvGrpSpPr>
+      <p:grpSpPr>
+        <a:xfrm>
+          <a:off x="0" y="0"/>
+          <a:ext cx="0" cy="0"/>
+          <a:chOff x="0" y="0"/>
+          <a:chExt cx="0" cy="0"/>
+        </a:xfrm>
+      </p:grpSpPr>
+      <p:sp>
+        <p:nvSpPr>
+          <p:cNvPr id="2" name="Title 1"/>
+          <p:cNvSpPr>
+            <a:spLocks noGrp="1"/>
+          </p:cNvSpPr>
+          <p:nvPr>
+            <p:ph type="title"/>
+          </p:nvPr>
+        </p:nvSpPr>
+        <p:spPr/>
+        <p:txBody>
+          <a:bodyPr/>
+          <a:lstStyle/>
+          <a:p>
+            <a:r>
+              <a:rPr lang="en-US" dirty="0"/>
+              <a:t>Certainty Strata - Inventory</a:t>
+            </a:r>
+          </a:p>
+        </p:txBody>
+      </p:sp>
+      <p:sp>
+        <p:nvSpPr>
+          <p:cNvPr id="5" name="TextBox 4"/>
+          <p:cNvSpPr txBox="1"/>
+          <p:nvPr/>
+        </p:nvSpPr>
+        <p:spPr>
+          <a:xfrm>
+            <a:off x="134471" y="3455894"/>
+            <a:ext cx="8841441" cy="923330"/>
+          </a:xfrm>
+          <a:prstGeom prst="rect">
+            <a:avLst/>
+          </a:prstGeom>
+          <a:noFill/>
+        </p:spPr>
+        <p:txBody>
+          <a:bodyPr wrap="square" rtlCol="0">
+            <a:spAutoFit/>
+          </a:bodyPr>
+          <a:lstStyle/>
+          <a:p>
+            <a:pPr algn="ctr"/>
+            <a:r>
+              <a:rPr lang="en-US" dirty="0">
+                <a:solidFill>
+                  <a:schemeClr val="bg1"/>
+                </a:solidFill>
+              </a:rPr>
+              <a:t>16 Companies Comprise 20% of Overall Total Sales of all 9,762 Companies</a:t>
+            </a:r>
+          </a:p>
+          <a:p>
+            <a:pPr algn="ctr"/>
+            <a:r>
+              <a:rPr lang="en-US" dirty="0">
+                <a:solidFill>
+                  <a:schemeClr val="bg1"/>
+                </a:solidFill>
+              </a:rPr>
+              <a:t>0.1% of all Companies</a:t>
+            </a:r>
+          </a:p>
+          <a:p>
+            <a:pPr algn="ctr"/>
+            <a:endParaRPr lang="en-US" dirty="0">
+              <a:solidFill>
+                <a:schemeClr val="bg1"/>
+              </a:solidFill>
+            </a:endParaRPr>
+          </a:p>
+        </p:txBody>
+      </p:sp>
+      <p:pic>
+        <p:nvPicPr>
+          <p:cNvPr id="9" name="Content Placeholder 8">
+            <a:extLst>
+              <a:ext uri="{FF2B5EF4-FFF2-40B4-BE49-F238E27FC236}">
+                <a16:creationId xmlns:a16="http://schemas.microsoft.com/office/drawing/2014/main" id="{D6BDE974-AEE9-AC4B-B3BD-5E6EFC9507F5}"/>
+              </a:ext>
+            </a:extLst>
+          </p:cNvPr>
+          <p:cNvPicPr>
+            <a:picLocks noGrp="1" noChangeAspect="1"/>
+          </p:cNvPicPr>
+          <p:nvPr>
+            <p:ph idx="1"/>
+          </p:nvPr>
+        </p:nvPicPr>
+        <p:blipFill>
+          <a:blip r:embed="rId2">
+            <a:extLst>
+              <a:ext uri="{28A0092B-C50C-407E-A947-70E740481C1C}">
+                <a14:useLocalDpi xmlns:a14="http://schemas.microsoft.com/office/drawing/2010/main" val="0"/>
+              </a:ext>
+            </a:extLst>
+          </a:blip>
+          <a:stretch>
+            <a:fillRect/>
+          </a:stretch>
+        </p:blipFill>
+        <p:spPr>
+          <a:xfrm>
+            <a:off x="317500" y="1519822"/>
+            <a:ext cx="8556625" cy="1711325"/>
+          </a:xfrm>
+          <a:prstGeom prst="rect">
+            <a:avLst/>
+          </a:prstGeom>
+        </p:spPr>
+      </p:pic>
+    </p:spTree>
+    <p:extLst>
+      <p:ext uri="{BB962C8B-B14F-4D97-AF65-F5344CB8AC3E}">
+        <p14:creationId xmlns:p14="http://schemas.microsoft.com/office/powerpoint/2010/main" val="2370471185"/>
+      </p:ext>
+    </p:extLst>
+  </p:cSld>
+  <p:clrMapOvr>
+    <a:masterClrMapping/>
+  </p:clrMapOvr>
+  <p:transition>
+    <p:fade/>
+  </p:transition>
 </p:sld>
 </file>
 
@@ -21095,6 +22323,12 @@
 </file>
 
 <file path=customXml/item1.xml><?xml version="1.0" encoding="utf-8"?>
+<p:properties xmlns:p="http://schemas.microsoft.com/office/2006/metadata/properties" xmlns:xsi="http://www.w3.org/2001/XMLSchema-instance" xmlns:pc="http://schemas.microsoft.com/office/infopath/2007/PartnerControls">
+  <documentManagement/>
+</p:properties>
+</file>
+
+<file path=customXml/item2.xml><?xml version="1.0" encoding="utf-8"?>
 <ct:contentTypeSchema xmlns:ct="http://schemas.microsoft.com/office/2006/metadata/contentType" xmlns:ma="http://schemas.microsoft.com/office/2006/metadata/properties/metaAttributes" ct:_="" ma:_="" ma:contentTypeName="Document" ma:contentTypeID="0x0101005AF7EA714CC39040883754BC4B32E8BA" ma:contentTypeVersion="0" ma:contentTypeDescription="Create a new document." ma:contentTypeScope="" ma:versionID="82fca3889656e9b49c3f85370df20451">
   <xsd:schema xmlns:xsd="http://www.w3.org/2001/XMLSchema" xmlns:xs="http://www.w3.org/2001/XMLSchema" xmlns:p="http://schemas.microsoft.com/office/2006/metadata/properties" targetNamespace="http://schemas.microsoft.com/office/2006/metadata/properties" ma:root="true" ma:fieldsID="c64490b4aec6201516c3a874156f37b2">
     <xsd:element name="properties">
@@ -21208,12 +22442,6 @@
 </ct:contentTypeSchema>
 </file>
 
-<file path=customXml/item2.xml><?xml version="1.0" encoding="utf-8"?>
-<p:properties xmlns:p="http://schemas.microsoft.com/office/2006/metadata/properties" xmlns:xsi="http://www.w3.org/2001/XMLSchema-instance" xmlns:pc="http://schemas.microsoft.com/office/infopath/2007/PartnerControls">
-  <documentManagement/>
-</p:properties>
-</file>
-
 <file path=customXml/item3.xml><?xml version="1.0" encoding="utf-8"?>
 <?mso-contentType ?>
 <FormTemplates xmlns="http://schemas.microsoft.com/sharepoint/v3/contenttype/forms">
@@ -21224,6 +22452,21 @@
 </file>
 
 <file path=customXml/itemProps1.xml><?xml version="1.0" encoding="utf-8"?>
+<ds:datastoreItem xmlns:ds="http://schemas.openxmlformats.org/officeDocument/2006/customXml" ds:itemID="{7F30D25C-2B8C-4E8E-A3EA-861E33399DB6}">
+  <ds:schemaRefs>
+    <ds:schemaRef ds:uri="http://purl.org/dc/terms/"/>
+    <ds:schemaRef ds:uri="http://schemas.openxmlformats.org/package/2006/metadata/core-properties"/>
+    <ds:schemaRef ds:uri="http://schemas.microsoft.com/office/2006/documentManagement/types"/>
+    <ds:schemaRef ds:uri="http://schemas.microsoft.com/office/infopath/2007/PartnerControls"/>
+    <ds:schemaRef ds:uri="http://purl.org/dc/elements/1.1/"/>
+    <ds:schemaRef ds:uri="http://schemas.microsoft.com/office/2006/metadata/properties"/>
+    <ds:schemaRef ds:uri="http://www.w3.org/XML/1998/namespace"/>
+    <ds:schemaRef ds:uri="http://purl.org/dc/dcmitype/"/>
+  </ds:schemaRefs>
+</ds:datastoreItem>
+</file>
+
+<file path=customXml/itemProps2.xml><?xml version="1.0" encoding="utf-8"?>
 <ds:datastoreItem xmlns:ds="http://schemas.openxmlformats.org/officeDocument/2006/customXml" ds:itemID="{64E5588E-D5D4-4A9C-9FD2-3305314A5BF9}">
   <ds:schemaRefs>
     <ds:schemaRef ds:uri="http://schemas.microsoft.com/office/2006/metadata/contentType"/>
@@ -21239,21 +22482,6 @@
 </ds:datastoreItem>
 </file>
 
-<file path=customXml/itemProps2.xml><?xml version="1.0" encoding="utf-8"?>
-<ds:datastoreItem xmlns:ds="http://schemas.openxmlformats.org/officeDocument/2006/customXml" ds:itemID="{7F30D25C-2B8C-4E8E-A3EA-861E33399DB6}">
-  <ds:schemaRefs>
-    <ds:schemaRef ds:uri="http://purl.org/dc/terms/"/>
-    <ds:schemaRef ds:uri="http://schemas.openxmlformats.org/package/2006/metadata/core-properties"/>
-    <ds:schemaRef ds:uri="http://schemas.microsoft.com/office/2006/documentManagement/types"/>
-    <ds:schemaRef ds:uri="http://schemas.microsoft.com/office/infopath/2007/PartnerControls"/>
-    <ds:schemaRef ds:uri="http://purl.org/dc/elements/1.1/"/>
-    <ds:schemaRef ds:uri="http://schemas.microsoft.com/office/2006/metadata/properties"/>
-    <ds:schemaRef ds:uri="http://www.w3.org/XML/1998/namespace"/>
-    <ds:schemaRef ds:uri="http://purl.org/dc/dcmitype/"/>
-  </ds:schemaRefs>
-</ds:datastoreItem>
-</file>
-
 <file path=customXml/itemProps3.xml><?xml version="1.0" encoding="utf-8"?>
 <ds:datastoreItem xmlns:ds="http://schemas.openxmlformats.org/officeDocument/2006/customXml" ds:itemID="{09C28EF2-5F72-4F36-9FAB-E29A52179F4E}">
   <ds:schemaRefs>

--- a/presentation - Sales.pptx
+++ b/presentation - Sales.pptx
@@ -6,10 +6,10 @@
     <p:sldMasterId id="2147483891" r:id="rId5"/>
   </p:sldMasterIdLst>
   <p:notesMasterIdLst>
-    <p:notesMasterId r:id="rId19"/>
+    <p:notesMasterId r:id="rId20"/>
   </p:notesMasterIdLst>
   <p:handoutMasterIdLst>
-    <p:handoutMasterId r:id="rId20"/>
+    <p:handoutMasterId r:id="rId21"/>
   </p:handoutMasterIdLst>
   <p:sldIdLst>
     <p:sldId id="260" r:id="rId6"/>
@@ -18,13 +18,14 @@
     <p:sldId id="267" r:id="rId9"/>
     <p:sldId id="266" r:id="rId10"/>
     <p:sldId id="268" r:id="rId11"/>
-    <p:sldId id="273" r:id="rId12"/>
-    <p:sldId id="269" r:id="rId13"/>
-    <p:sldId id="270" r:id="rId14"/>
-    <p:sldId id="271" r:id="rId15"/>
-    <p:sldId id="272" r:id="rId16"/>
-    <p:sldId id="275" r:id="rId17"/>
-    <p:sldId id="274" r:id="rId18"/>
+    <p:sldId id="276" r:id="rId12"/>
+    <p:sldId id="273" r:id="rId13"/>
+    <p:sldId id="269" r:id="rId14"/>
+    <p:sldId id="270" r:id="rId15"/>
+    <p:sldId id="271" r:id="rId16"/>
+    <p:sldId id="272" r:id="rId17"/>
+    <p:sldId id="275" r:id="rId18"/>
+    <p:sldId id="274" r:id="rId19"/>
   </p:sldIdLst>
   <p:sldSz cx="9144000" cy="5143500" type="screen16x9"/>
   <p:notesSz cx="7315200" cy="9601200"/>
@@ -277,7 +278,7 @@
             <a:fld id="{05E48B40-F575-F045-AF98-7241656AD336}" type="datetimeFigureOut">
               <a:rPr lang="en-US" smtClean="0"/>
               <a:pPr/>
-              <a:t>4/2/18</a:t>
+              <a:t>4/5/2018</a:t>
             </a:fld>
             <a:endParaRPr lang="en-US"/>
           </a:p>
@@ -444,7 +445,7 @@
             <a:fld id="{5503108B-28A2-4A1F-97E4-23F53BEF9B1F}" type="datetimeFigureOut">
               <a:rPr lang="en-US" smtClean="0"/>
               <a:pPr/>
-              <a:t>4/2/18</a:t>
+              <a:t>4/5/2018</a:t>
             </a:fld>
             <a:endParaRPr lang="en-US"/>
           </a:p>
@@ -863,7 +864,7 @@
             <a:fld id="{1A47E64D-F0A2-43B3-B0BA-78A854B03B27}" type="slidenum">
               <a:rPr lang="en-US" smtClean="0"/>
               <a:pPr/>
-              <a:t>11</a:t>
+              <a:t>12</a:t>
             </a:fld>
             <a:endParaRPr lang="en-US"/>
           </a:p>
@@ -948,7 +949,7 @@
             <a:fld id="{1A47E64D-F0A2-43B3-B0BA-78A854B03B27}" type="slidenum">
               <a:rPr lang="en-US" smtClean="0"/>
               <a:pPr/>
-              <a:t>12</a:t>
+              <a:t>13</a:t>
             </a:fld>
             <a:endParaRPr lang="en-US"/>
           </a:p>
@@ -17728,6 +17729,13 @@
   <p:transition>
     <p:fade/>
   </p:transition>
+  <p:timing>
+    <p:tnLst>
+      <p:par>
+        <p:cTn id="1" dur="indefinite" restart="never" nodeType="tmRoot"/>
+      </p:par>
+    </p:tnLst>
+  </p:timing>
 </p:sld>
 </file>
 
@@ -17765,80 +17773,106 @@
           <a:p>
             <a:r>
               <a:rPr lang="en-US" dirty="0"/>
-              <a:t>Stratification - Inventory</a:t>
+              <a:t>Certainty Strata - Inventory</a:t>
             </a:r>
           </a:p>
         </p:txBody>
       </p:sp>
       <p:sp>
         <p:nvSpPr>
-          <p:cNvPr id="3" name="Content Placeholder 2"/>
-          <p:cNvSpPr>
-            <a:spLocks noGrp="1"/>
-          </p:cNvSpPr>
+          <p:cNvPr id="5" name="TextBox 4"/>
+          <p:cNvSpPr txBox="1"/>
+          <p:nvPr/>
+        </p:nvSpPr>
+        <p:spPr>
+          <a:xfrm>
+            <a:off x="134471" y="3455894"/>
+            <a:ext cx="8841441" cy="923330"/>
+          </a:xfrm>
+          <a:prstGeom prst="rect">
+            <a:avLst/>
+          </a:prstGeom>
+          <a:noFill/>
+        </p:spPr>
+        <p:txBody>
+          <a:bodyPr wrap="square" rtlCol="0">
+            <a:spAutoFit/>
+          </a:bodyPr>
+          <a:lstStyle/>
+          <a:p>
+            <a:pPr algn="ctr"/>
+            <a:r>
+              <a:rPr lang="en-US" dirty="0">
+                <a:solidFill>
+                  <a:schemeClr val="bg1"/>
+                </a:solidFill>
+              </a:rPr>
+              <a:t>16 Companies Comprise 20% of Overall Total Sales of all 9,762 Companies</a:t>
+            </a:r>
+          </a:p>
+          <a:p>
+            <a:pPr algn="ctr"/>
+            <a:r>
+              <a:rPr lang="en-US" dirty="0">
+                <a:solidFill>
+                  <a:schemeClr val="bg1"/>
+                </a:solidFill>
+              </a:rPr>
+              <a:t>0.1% of all Companies</a:t>
+            </a:r>
+          </a:p>
+          <a:p>
+            <a:pPr algn="ctr"/>
+            <a:endParaRPr lang="en-US" dirty="0">
+              <a:solidFill>
+                <a:schemeClr val="bg1"/>
+              </a:solidFill>
+            </a:endParaRPr>
+          </a:p>
+        </p:txBody>
+      </p:sp>
+      <p:pic>
+        <p:nvPicPr>
+          <p:cNvPr id="9" name="Content Placeholder 8">
+            <a:extLst>
+              <a:ext uri="{FF2B5EF4-FFF2-40B4-BE49-F238E27FC236}">
+                <a16:creationId xmlns:a16="http://schemas.microsoft.com/office/drawing/2014/main" id="{D6BDE974-AEE9-AC4B-B3BD-5E6EFC9507F5}"/>
+              </a:ext>
+            </a:extLst>
+          </p:cNvPr>
+          <p:cNvPicPr>
+            <a:picLocks noGrp="1" noChangeAspect="1"/>
+          </p:cNvPicPr>
           <p:nvPr>
             <p:ph idx="1"/>
           </p:nvPr>
-        </p:nvSpPr>
-        <p:spPr/>
-        <p:txBody>
-          <a:bodyPr/>
-          <a:lstStyle/>
-          <a:p>
-            <a:r>
-              <a:rPr lang="en-US" dirty="0"/>
-              <a:t>Based on Scatterplots and Histograms, again guessed there were 6 to 10 clear groups of observations</a:t>
-            </a:r>
-          </a:p>
-          <a:p>
-            <a:r>
-              <a:rPr lang="en-US" dirty="0"/>
-              <a:t>Used R library </a:t>
-            </a:r>
-            <a:r>
-              <a:rPr lang="en-US" i="1" dirty="0"/>
-              <a:t>stratification, </a:t>
-            </a:r>
-            <a:r>
-              <a:rPr lang="en-US" dirty="0"/>
-              <a:t>the </a:t>
-            </a:r>
-            <a:r>
-              <a:rPr lang="en-US" dirty="0" err="1"/>
-              <a:t>strat.cumrootf</a:t>
-            </a:r>
-            <a:r>
-              <a:rPr lang="en-US" dirty="0"/>
-              <a:t>() function to perform the assignment of observations to strata and then perform the </a:t>
-            </a:r>
-            <a:r>
-              <a:rPr lang="en-US" dirty="0" err="1"/>
-              <a:t>Neyman</a:t>
-            </a:r>
-            <a:r>
-              <a:rPr lang="en-US" dirty="0"/>
-              <a:t> allocation</a:t>
-            </a:r>
-          </a:p>
-          <a:p>
-            <a:r>
-              <a:rPr lang="en-US" dirty="0"/>
-              <a:t>Tested 6, 7, and 8 (including certainty) </a:t>
-            </a:r>
-          </a:p>
-          <a:p>
-            <a:pPr lvl="1"/>
-            <a:r>
-              <a:rPr lang="en-US" dirty="0"/>
-              <a:t>8 Strata returned a lower standard error of the sum and was selected for the full stratification</a:t>
-            </a:r>
-          </a:p>
-        </p:txBody>
-      </p:sp>
+        </p:nvPicPr>
+        <p:blipFill>
+          <a:blip r:embed="rId2">
+            <a:extLst>
+              <a:ext uri="{28A0092B-C50C-407E-A947-70E740481C1C}">
+                <a14:useLocalDpi xmlns:a14="http://schemas.microsoft.com/office/drawing/2010/main" val="0"/>
+              </a:ext>
+            </a:extLst>
+          </a:blip>
+          <a:stretch>
+            <a:fillRect/>
+          </a:stretch>
+        </p:blipFill>
+        <p:spPr>
+          <a:xfrm>
+            <a:off x="317500" y="1519822"/>
+            <a:ext cx="8556625" cy="1711325"/>
+          </a:xfrm>
+          <a:prstGeom prst="rect">
+            <a:avLst/>
+          </a:prstGeom>
+        </p:spPr>
+      </p:pic>
     </p:spTree>
     <p:extLst>
       <p:ext uri="{BB962C8B-B14F-4D97-AF65-F5344CB8AC3E}">
-        <p14:creationId xmlns:p14="http://schemas.microsoft.com/office/powerpoint/2010/main" val="1485703427"/>
+        <p14:creationId xmlns:p14="http://schemas.microsoft.com/office/powerpoint/2010/main" val="2370471185"/>
       </p:ext>
     </p:extLst>
   </p:cSld>
@@ -17885,163 +17919,80 @@
           <a:p>
             <a:r>
               <a:rPr lang="en-US" dirty="0"/>
-              <a:t>Results – Inventory Eight Strata Allocation</a:t>
+              <a:t>Stratification - Inventory</a:t>
             </a:r>
           </a:p>
         </p:txBody>
       </p:sp>
       <p:sp>
         <p:nvSpPr>
-          <p:cNvPr id="5" name="Rectangle 4"/>
-          <p:cNvSpPr/>
-          <p:nvPr/>
+          <p:cNvPr id="3" name="Content Placeholder 2"/>
+          <p:cNvSpPr>
+            <a:spLocks noGrp="1"/>
+          </p:cNvSpPr>
+          <p:nvPr>
+            <p:ph idx="1"/>
+          </p:nvPr>
         </p:nvSpPr>
-        <p:spPr>
-          <a:xfrm>
-            <a:off x="2237867" y="4283120"/>
-            <a:ext cx="4668266" cy="646331"/>
-          </a:xfrm>
-          <a:prstGeom prst="rect">
-            <a:avLst/>
-          </a:prstGeom>
-        </p:spPr>
+        <p:spPr/>
         <p:txBody>
-          <a:bodyPr wrap="none">
-            <a:spAutoFit/>
-          </a:bodyPr>
+          <a:bodyPr/>
           <a:lstStyle/>
           <a:p>
-            <a:pPr algn="ctr"/>
-            <a:r>
-              <a:rPr lang="de-DE" dirty="0">
-                <a:solidFill>
-                  <a:schemeClr val="bg1"/>
-                </a:solidFill>
-                <a:ea typeface="Futura Com Book" panose="02000504030000020003" pitchFamily="2" charset="0"/>
-                <a:cs typeface="Times New Roman" panose="02020603050405020304" pitchFamily="18" charset="0"/>
-              </a:rPr>
-              <a:t>True </a:t>
-            </a:r>
-            <a:r>
-              <a:rPr lang="de-DE" dirty="0" err="1">
-                <a:solidFill>
-                  <a:schemeClr val="bg1"/>
-                </a:solidFill>
-                <a:ea typeface="Futura Com Book" panose="02000504030000020003" pitchFamily="2" charset="0"/>
-                <a:cs typeface="Times New Roman" panose="02020603050405020304" pitchFamily="18" charset="0"/>
-              </a:rPr>
-              <a:t>Sum</a:t>
-            </a:r>
-            <a:r>
-              <a:rPr lang="de-DE" dirty="0">
-                <a:solidFill>
-                  <a:schemeClr val="bg1"/>
-                </a:solidFill>
-                <a:ea typeface="Futura Com Book" panose="02000504030000020003" pitchFamily="2" charset="0"/>
-                <a:cs typeface="Times New Roman" panose="02020603050405020304" pitchFamily="18" charset="0"/>
-              </a:rPr>
-              <a:t> </a:t>
-            </a:r>
-            <a:r>
-              <a:rPr lang="de-DE" dirty="0" err="1">
-                <a:solidFill>
-                  <a:schemeClr val="bg1"/>
-                </a:solidFill>
-                <a:ea typeface="Futura Com Book" panose="02000504030000020003" pitchFamily="2" charset="0"/>
-                <a:cs typeface="Times New Roman" panose="02020603050405020304" pitchFamily="18" charset="0"/>
-              </a:rPr>
-              <a:t>of</a:t>
-            </a:r>
-            <a:r>
-              <a:rPr lang="de-DE" dirty="0">
-                <a:solidFill>
-                  <a:schemeClr val="bg1"/>
-                </a:solidFill>
-                <a:ea typeface="Futura Com Book" panose="02000504030000020003" pitchFamily="2" charset="0"/>
-                <a:cs typeface="Times New Roman" panose="02020603050405020304" pitchFamily="18" charset="0"/>
-              </a:rPr>
-              <a:t> </a:t>
-            </a:r>
-            <a:r>
-              <a:rPr lang="de-DE" dirty="0" err="1">
-                <a:solidFill>
-                  <a:schemeClr val="bg1"/>
-                </a:solidFill>
-                <a:ea typeface="Futura Com Book" panose="02000504030000020003" pitchFamily="2" charset="0"/>
-                <a:cs typeface="Times New Roman" panose="02020603050405020304" pitchFamily="18" charset="0"/>
-              </a:rPr>
-              <a:t>Inventory</a:t>
-            </a:r>
-            <a:r>
-              <a:rPr lang="de-DE" dirty="0">
-                <a:solidFill>
-                  <a:schemeClr val="bg1"/>
-                </a:solidFill>
-                <a:ea typeface="Futura Com Book" panose="02000504030000020003" pitchFamily="2" charset="0"/>
-                <a:cs typeface="Times New Roman" panose="02020603050405020304" pitchFamily="18" charset="0"/>
-              </a:rPr>
-              <a:t>: 1,745,954,823</a:t>
-            </a:r>
-          </a:p>
-          <a:p>
-            <a:pPr algn="ctr"/>
-            <a:r>
-              <a:rPr lang="de-DE" dirty="0">
-                <a:solidFill>
-                  <a:schemeClr val="bg1"/>
-                </a:solidFill>
-                <a:cs typeface="Times New Roman" panose="02020603050405020304" pitchFamily="18" charset="0"/>
-              </a:rPr>
-              <a:t>All Samples are Within Confidence Intervals</a:t>
-            </a:r>
-            <a:endParaRPr lang="en-US" dirty="0">
-              <a:solidFill>
-                <a:schemeClr val="bg1"/>
-              </a:solidFill>
-            </a:endParaRPr>
+            <a:r>
+              <a:rPr lang="en-US" dirty="0"/>
+              <a:t>Based on Scatterplots and Histograms, again guessed there were 6 to 10 clear groups of observations</a:t>
+            </a:r>
+          </a:p>
+          <a:p>
+            <a:r>
+              <a:rPr lang="en-US" dirty="0"/>
+              <a:t>Used R library </a:t>
+            </a:r>
+            <a:r>
+              <a:rPr lang="en-US" i="1" dirty="0"/>
+              <a:t>stratification, </a:t>
+            </a:r>
+            <a:r>
+              <a:rPr lang="en-US" dirty="0"/>
+              <a:t>the </a:t>
+            </a:r>
+            <a:r>
+              <a:rPr lang="en-US" dirty="0" err="1"/>
+              <a:t>strat.cumrootf</a:t>
+            </a:r>
+            <a:r>
+              <a:rPr lang="en-US" dirty="0"/>
+              <a:t>() function to perform the assignment of observations to strata and then perform the </a:t>
+            </a:r>
+            <a:r>
+              <a:rPr lang="en-US" dirty="0" err="1"/>
+              <a:t>Neyman</a:t>
+            </a:r>
+            <a:r>
+              <a:rPr lang="en-US" dirty="0"/>
+              <a:t> allocation</a:t>
+            </a:r>
+          </a:p>
+          <a:p>
+            <a:r>
+              <a:rPr lang="en-US" dirty="0"/>
+              <a:t>Tested 6, 7, and 8 (including certainty) </a:t>
+            </a:r>
+          </a:p>
+          <a:p>
+            <a:pPr lvl="1"/>
+            <a:r>
+              <a:rPr lang="en-US" dirty="0"/>
+              <a:t>8 Strata returned a lower standard error of the sum and was selected for the full stratification</a:t>
+            </a:r>
           </a:p>
         </p:txBody>
       </p:sp>
-      <p:pic>
-        <p:nvPicPr>
-          <p:cNvPr id="8" name="Picture 7">
-            <a:extLst>
-              <a:ext uri="{FF2B5EF4-FFF2-40B4-BE49-F238E27FC236}">
-                <a16:creationId xmlns:a16="http://schemas.microsoft.com/office/drawing/2014/main" id="{0766B341-66C5-F644-84B0-F080EB25FE79}"/>
-              </a:ext>
-            </a:extLst>
-          </p:cNvPr>
-          <p:cNvPicPr>
-            <a:picLocks noChangeAspect="1"/>
-          </p:cNvPicPr>
-          <p:nvPr/>
-        </p:nvPicPr>
-        <p:blipFill>
-          <a:blip r:embed="rId3">
-            <a:extLst>
-              <a:ext uri="{28A0092B-C50C-407E-A947-70E740481C1C}">
-                <a14:useLocalDpi xmlns:a14="http://schemas.microsoft.com/office/drawing/2010/main" val="0"/>
-              </a:ext>
-            </a:extLst>
-          </a:blip>
-          <a:stretch>
-            <a:fillRect/>
-          </a:stretch>
-        </p:blipFill>
-        <p:spPr>
-          <a:xfrm>
-            <a:off x="0" y="1598984"/>
-            <a:ext cx="9144000" cy="1945532"/>
-          </a:xfrm>
-          <a:prstGeom prst="rect">
-            <a:avLst/>
-          </a:prstGeom>
-        </p:spPr>
-      </p:pic>
     </p:spTree>
     <p:extLst>
       <p:ext uri="{BB962C8B-B14F-4D97-AF65-F5344CB8AC3E}">
-        <p14:creationId xmlns:p14="http://schemas.microsoft.com/office/powerpoint/2010/main" val="2619367923"/>
+        <p14:creationId xmlns:p14="http://schemas.microsoft.com/office/powerpoint/2010/main" val="1485703427"/>
       </p:ext>
     </p:extLst>
   </p:cSld>
@@ -18095,6 +18046,216 @@
       </p:sp>
       <p:sp>
         <p:nvSpPr>
+          <p:cNvPr id="5" name="Rectangle 4"/>
+          <p:cNvSpPr/>
+          <p:nvPr/>
+        </p:nvSpPr>
+        <p:spPr>
+          <a:xfrm>
+            <a:off x="2237867" y="4283120"/>
+            <a:ext cx="4668266" cy="646331"/>
+          </a:xfrm>
+          <a:prstGeom prst="rect">
+            <a:avLst/>
+          </a:prstGeom>
+        </p:spPr>
+        <p:txBody>
+          <a:bodyPr wrap="none">
+            <a:spAutoFit/>
+          </a:bodyPr>
+          <a:lstStyle/>
+          <a:p>
+            <a:pPr algn="ctr"/>
+            <a:r>
+              <a:rPr lang="de-DE" dirty="0">
+                <a:solidFill>
+                  <a:schemeClr val="bg1"/>
+                </a:solidFill>
+                <a:ea typeface="Futura Com Book" panose="02000504030000020003" pitchFamily="2" charset="0"/>
+                <a:cs typeface="Times New Roman" panose="02020603050405020304" pitchFamily="18" charset="0"/>
+              </a:rPr>
+              <a:t>True </a:t>
+            </a:r>
+            <a:r>
+              <a:rPr lang="de-DE" dirty="0" err="1">
+                <a:solidFill>
+                  <a:schemeClr val="bg1"/>
+                </a:solidFill>
+                <a:ea typeface="Futura Com Book" panose="02000504030000020003" pitchFamily="2" charset="0"/>
+                <a:cs typeface="Times New Roman" panose="02020603050405020304" pitchFamily="18" charset="0"/>
+              </a:rPr>
+              <a:t>Sum</a:t>
+            </a:r>
+            <a:r>
+              <a:rPr lang="de-DE" dirty="0">
+                <a:solidFill>
+                  <a:schemeClr val="bg1"/>
+                </a:solidFill>
+                <a:ea typeface="Futura Com Book" panose="02000504030000020003" pitchFamily="2" charset="0"/>
+                <a:cs typeface="Times New Roman" panose="02020603050405020304" pitchFamily="18" charset="0"/>
+              </a:rPr>
+              <a:t> </a:t>
+            </a:r>
+            <a:r>
+              <a:rPr lang="de-DE" dirty="0" err="1">
+                <a:solidFill>
+                  <a:schemeClr val="bg1"/>
+                </a:solidFill>
+                <a:ea typeface="Futura Com Book" panose="02000504030000020003" pitchFamily="2" charset="0"/>
+                <a:cs typeface="Times New Roman" panose="02020603050405020304" pitchFamily="18" charset="0"/>
+              </a:rPr>
+              <a:t>of</a:t>
+            </a:r>
+            <a:r>
+              <a:rPr lang="de-DE" dirty="0">
+                <a:solidFill>
+                  <a:schemeClr val="bg1"/>
+                </a:solidFill>
+                <a:ea typeface="Futura Com Book" panose="02000504030000020003" pitchFamily="2" charset="0"/>
+                <a:cs typeface="Times New Roman" panose="02020603050405020304" pitchFamily="18" charset="0"/>
+              </a:rPr>
+              <a:t> </a:t>
+            </a:r>
+            <a:r>
+              <a:rPr lang="de-DE" dirty="0" err="1">
+                <a:solidFill>
+                  <a:schemeClr val="bg1"/>
+                </a:solidFill>
+                <a:ea typeface="Futura Com Book" panose="02000504030000020003" pitchFamily="2" charset="0"/>
+                <a:cs typeface="Times New Roman" panose="02020603050405020304" pitchFamily="18" charset="0"/>
+              </a:rPr>
+              <a:t>Inventory</a:t>
+            </a:r>
+            <a:r>
+              <a:rPr lang="de-DE" dirty="0">
+                <a:solidFill>
+                  <a:schemeClr val="bg1"/>
+                </a:solidFill>
+                <a:ea typeface="Futura Com Book" panose="02000504030000020003" pitchFamily="2" charset="0"/>
+                <a:cs typeface="Times New Roman" panose="02020603050405020304" pitchFamily="18" charset="0"/>
+              </a:rPr>
+              <a:t>: 1,745,954,823</a:t>
+            </a:r>
+          </a:p>
+          <a:p>
+            <a:pPr algn="ctr"/>
+            <a:r>
+              <a:rPr lang="de-DE" dirty="0">
+                <a:solidFill>
+                  <a:schemeClr val="bg1"/>
+                </a:solidFill>
+                <a:cs typeface="Times New Roman" panose="02020603050405020304" pitchFamily="18" charset="0"/>
+              </a:rPr>
+              <a:t>All Samples are Within Confidence Intervals</a:t>
+            </a:r>
+            <a:endParaRPr lang="en-US" dirty="0">
+              <a:solidFill>
+                <a:schemeClr val="bg1"/>
+              </a:solidFill>
+            </a:endParaRPr>
+          </a:p>
+        </p:txBody>
+      </p:sp>
+      <p:pic>
+        <p:nvPicPr>
+          <p:cNvPr id="8" name="Picture 7">
+            <a:extLst>
+              <a:ext uri="{FF2B5EF4-FFF2-40B4-BE49-F238E27FC236}">
+                <a16:creationId xmlns:a16="http://schemas.microsoft.com/office/drawing/2014/main" id="{0766B341-66C5-F644-84B0-F080EB25FE79}"/>
+              </a:ext>
+            </a:extLst>
+          </p:cNvPr>
+          <p:cNvPicPr>
+            <a:picLocks noChangeAspect="1"/>
+          </p:cNvPicPr>
+          <p:nvPr/>
+        </p:nvPicPr>
+        <p:blipFill>
+          <a:blip r:embed="rId3">
+            <a:extLst>
+              <a:ext uri="{28A0092B-C50C-407E-A947-70E740481C1C}">
+                <a14:useLocalDpi xmlns:a14="http://schemas.microsoft.com/office/drawing/2010/main" val="0"/>
+              </a:ext>
+            </a:extLst>
+          </a:blip>
+          <a:stretch>
+            <a:fillRect/>
+          </a:stretch>
+        </p:blipFill>
+        <p:spPr>
+          <a:xfrm>
+            <a:off x="0" y="1598984"/>
+            <a:ext cx="9144000" cy="1945532"/>
+          </a:xfrm>
+          <a:prstGeom prst="rect">
+            <a:avLst/>
+          </a:prstGeom>
+        </p:spPr>
+      </p:pic>
+    </p:spTree>
+    <p:extLst>
+      <p:ext uri="{BB962C8B-B14F-4D97-AF65-F5344CB8AC3E}">
+        <p14:creationId xmlns:p14="http://schemas.microsoft.com/office/powerpoint/2010/main" val="2619367923"/>
+      </p:ext>
+    </p:extLst>
+  </p:cSld>
+  <p:clrMapOvr>
+    <a:masterClrMapping/>
+  </p:clrMapOvr>
+  <p:transition>
+    <p:fade/>
+  </p:transition>
+  <p:timing>
+    <p:tnLst>
+      <p:par>
+        <p:cTn id="1" dur="indefinite" restart="never" nodeType="tmRoot"/>
+      </p:par>
+    </p:tnLst>
+  </p:timing>
+</p:sld>
+</file>
+
+<file path=ppt/slides/slide13.xml><?xml version="1.0" encoding="utf-8"?>
+<p:sld xmlns:a="http://schemas.openxmlformats.org/drawingml/2006/main" xmlns:r="http://schemas.openxmlformats.org/officeDocument/2006/relationships" xmlns:p="http://schemas.openxmlformats.org/presentationml/2006/main">
+  <p:cSld>
+    <p:spTree>
+      <p:nvGrpSpPr>
+        <p:cNvPr id="1" name=""/>
+        <p:cNvGrpSpPr/>
+        <p:nvPr/>
+      </p:nvGrpSpPr>
+      <p:grpSpPr>
+        <a:xfrm>
+          <a:off x="0" y="0"/>
+          <a:ext cx="0" cy="0"/>
+          <a:chOff x="0" y="0"/>
+          <a:chExt cx="0" cy="0"/>
+        </a:xfrm>
+      </p:grpSpPr>
+      <p:sp>
+        <p:nvSpPr>
+          <p:cNvPr id="2" name="Title 1"/>
+          <p:cNvSpPr>
+            <a:spLocks noGrp="1"/>
+          </p:cNvSpPr>
+          <p:nvPr>
+            <p:ph type="title"/>
+          </p:nvPr>
+        </p:nvSpPr>
+        <p:spPr/>
+        <p:txBody>
+          <a:bodyPr/>
+          <a:lstStyle/>
+          <a:p>
+            <a:r>
+              <a:rPr lang="en-US" dirty="0"/>
+              <a:t>Results – Inventory Eight Strata Allocation</a:t>
+            </a:r>
+          </a:p>
+        </p:txBody>
+      </p:sp>
+      <p:sp>
+        <p:nvSpPr>
           <p:cNvPr id="3" name="Content Placeholder 2">
             <a:extLst>
               <a:ext uri="{FF2B5EF4-FFF2-40B4-BE49-F238E27FC236}">
@@ -18434,7 +18595,7 @@
 </p:sld>
 </file>
 
-<file path=ppt/slides/slide13.xml><?xml version="1.0" encoding="utf-8"?>
+<file path=ppt/slides/slide14.xml><?xml version="1.0" encoding="utf-8"?>
 <p:sld xmlns:a="http://schemas.openxmlformats.org/drawingml/2006/main" xmlns:r="http://schemas.openxmlformats.org/officeDocument/2006/relationships" xmlns:p="http://schemas.openxmlformats.org/presentationml/2006/main">
   <p:cSld>
     <p:spTree>
@@ -20911,10 +21072,118 @@
   <p:transition>
     <p:fade/>
   </p:transition>
+  <p:timing>
+    <p:tnLst>
+      <p:par>
+        <p:cTn id="1" dur="indefinite" restart="never" nodeType="tmRoot"/>
+      </p:par>
+    </p:tnLst>
+  </p:timing>
 </p:sld>
 </file>
 
 <file path=ppt/slides/slide7.xml><?xml version="1.0" encoding="utf-8"?>
+<p:sld xmlns:a="http://schemas.openxmlformats.org/drawingml/2006/main" xmlns:r="http://schemas.openxmlformats.org/officeDocument/2006/relationships" xmlns:p="http://schemas.openxmlformats.org/presentationml/2006/main">
+  <p:cSld>
+    <p:spTree>
+      <p:nvGrpSpPr>
+        <p:cNvPr id="1" name=""/>
+        <p:cNvGrpSpPr/>
+        <p:nvPr/>
+      </p:nvGrpSpPr>
+      <p:grpSpPr>
+        <a:xfrm>
+          <a:off x="0" y="0"/>
+          <a:ext cx="0" cy="0"/>
+          <a:chOff x="0" y="0"/>
+          <a:chExt cx="0" cy="0"/>
+        </a:xfrm>
+      </p:grpSpPr>
+      <p:sp>
+        <p:nvSpPr>
+          <p:cNvPr id="2" name="Title 1"/>
+          <p:cNvSpPr>
+            <a:spLocks noGrp="1"/>
+          </p:cNvSpPr>
+          <p:nvPr>
+            <p:ph type="title"/>
+          </p:nvPr>
+        </p:nvSpPr>
+        <p:spPr/>
+        <p:txBody>
+          <a:bodyPr/>
+          <a:lstStyle/>
+          <a:p>
+            <a:r>
+              <a:rPr lang="en-US" dirty="0" smtClean="0"/>
+              <a:t>Simple Random Sample, No Stratification</a:t>
+            </a:r>
+            <a:endParaRPr lang="en-US" dirty="0"/>
+          </a:p>
+        </p:txBody>
+      </p:sp>
+      <p:sp>
+        <p:nvSpPr>
+          <p:cNvPr id="3" name="Content Placeholder 2"/>
+          <p:cNvSpPr>
+            <a:spLocks noGrp="1"/>
+          </p:cNvSpPr>
+          <p:nvPr>
+            <p:ph idx="1"/>
+          </p:nvPr>
+        </p:nvSpPr>
+        <p:spPr/>
+        <p:txBody>
+          <a:bodyPr/>
+          <a:lstStyle/>
+          <a:p>
+            <a:r>
+              <a:rPr lang="en-US" dirty="0" smtClean="0"/>
+              <a:t>Mean: $123,775</a:t>
+            </a:r>
+          </a:p>
+          <a:p>
+            <a:pPr lvl="1"/>
+            <a:r>
+              <a:rPr lang="en-US" dirty="0" smtClean="0"/>
+              <a:t>Under estimates the mean by about $20,000 * More than 9,000 Observations</a:t>
+            </a:r>
+          </a:p>
+          <a:p>
+            <a:r>
+              <a:rPr lang="en-US" dirty="0" smtClean="0"/>
+              <a:t>Estimate of the Population: $61,887,665</a:t>
+            </a:r>
+          </a:p>
+          <a:p>
+            <a:endParaRPr lang="en-US" dirty="0"/>
+          </a:p>
+        </p:txBody>
+      </p:sp>
+    </p:spTree>
+    <p:extLst>
+      <p:ext uri="{BB962C8B-B14F-4D97-AF65-F5344CB8AC3E}">
+        <p14:creationId xmlns:p14="http://schemas.microsoft.com/office/powerpoint/2010/main" val="440388676"/>
+      </p:ext>
+    </p:extLst>
+  </p:cSld>
+  <p:clrMapOvr>
+    <a:masterClrMapping/>
+  </p:clrMapOvr>
+  <p:transition>
+    <p:fade/>
+  </p:transition>
+  <p:timing>
+    <p:tnLst>
+      <p:par>
+        <p:cTn id="1" dur="indefinite" restart="never" nodeType="tmRoot"/>
+      </p:par>
+    </p:tnLst>
+  </p:timing>
+</p:sld>
+</file>
+
+<file path=ppt/slides/slide8.xml><?xml version="1.0" encoding="utf-8"?>
 <p:sld xmlns:a="http://schemas.openxmlformats.org/drawingml/2006/main" xmlns:r="http://schemas.openxmlformats.org/officeDocument/2006/relationships" xmlns:p="http://schemas.openxmlformats.org/presentationml/2006/main">
   <p:cSld>
     <p:spTree>
@@ -20978,194 +21247,13 @@
   <p:transition>
     <p:fade/>
   </p:transition>
-</p:sld>
-</file>
-
-<file path=ppt/slides/slide8.xml><?xml version="1.0" encoding="utf-8"?>
-<p:sld xmlns:a="http://schemas.openxmlformats.org/drawingml/2006/main" xmlns:r="http://schemas.openxmlformats.org/officeDocument/2006/relationships" xmlns:p="http://schemas.openxmlformats.org/presentationml/2006/main">
-  <p:cSld>
-    <p:spTree>
-      <p:nvGrpSpPr>
-        <p:cNvPr id="1" name=""/>
-        <p:cNvGrpSpPr/>
-        <p:nvPr/>
-      </p:nvGrpSpPr>
-      <p:grpSpPr>
-        <a:xfrm>
-          <a:off x="0" y="0"/>
-          <a:ext cx="0" cy="0"/>
-          <a:chOff x="0" y="0"/>
-          <a:chExt cx="0" cy="0"/>
-        </a:xfrm>
-      </p:grpSpPr>
-      <p:sp>
-        <p:nvSpPr>
-          <p:cNvPr id="2" name="Title 1"/>
-          <p:cNvSpPr>
-            <a:spLocks noGrp="1"/>
-          </p:cNvSpPr>
-          <p:nvPr>
-            <p:ph type="title"/>
-          </p:nvPr>
-        </p:nvSpPr>
-        <p:spPr/>
-        <p:txBody>
-          <a:bodyPr/>
-          <a:lstStyle/>
-          <a:p>
-            <a:r>
-              <a:rPr lang="en-US" dirty="0"/>
-              <a:t>Data Exploration – Inventory</a:t>
-            </a:r>
-          </a:p>
-        </p:txBody>
-      </p:sp>
-      <p:sp>
-        <p:nvSpPr>
-          <p:cNvPr id="5" name="TextBox 4"/>
-          <p:cNvSpPr txBox="1"/>
-          <p:nvPr/>
-        </p:nvSpPr>
-        <p:spPr>
-          <a:xfrm>
-            <a:off x="185853" y="3716448"/>
-            <a:ext cx="8816897" cy="1569660"/>
-          </a:xfrm>
-          <a:prstGeom prst="rect">
-            <a:avLst/>
-          </a:prstGeom>
-          <a:noFill/>
-        </p:spPr>
-        <p:txBody>
-          <a:bodyPr wrap="square" rtlCol="0">
-            <a:spAutoFit/>
-          </a:bodyPr>
-          <a:lstStyle/>
-          <a:p>
-            <a:pPr algn="ctr"/>
-            <a:r>
-              <a:rPr lang="en-US" sz="2400" dirty="0">
-                <a:solidFill>
-                  <a:schemeClr val="bg1"/>
-                </a:solidFill>
-              </a:rPr>
-              <a:t>Mean: 179774.1</a:t>
-            </a:r>
-          </a:p>
-          <a:p>
-            <a:pPr algn="ctr"/>
-            <a:r>
-              <a:rPr lang="en-US" sz="2400" dirty="0">
-                <a:solidFill>
-                  <a:schemeClr val="bg1"/>
-                </a:solidFill>
-              </a:rPr>
-              <a:t>Median: 55629.19</a:t>
-            </a:r>
-          </a:p>
-          <a:p>
-            <a:pPr algn="ctr"/>
-            <a:r>
-              <a:rPr lang="en-US" sz="2400" dirty="0">
-                <a:solidFill>
-                  <a:schemeClr val="bg1"/>
-                </a:solidFill>
-              </a:rPr>
-              <a:t>Long Tails in Both Ranges – From &lt;8000 to &gt;12Mil</a:t>
-            </a:r>
-          </a:p>
-          <a:p>
-            <a:pPr algn="ctr"/>
-            <a:endParaRPr lang="en-US" sz="2400" dirty="0">
-              <a:solidFill>
-                <a:schemeClr val="bg1"/>
-              </a:solidFill>
-            </a:endParaRPr>
-          </a:p>
-        </p:txBody>
-      </p:sp>
-      <p:sp>
-        <p:nvSpPr>
-          <p:cNvPr id="6" name="TextBox 5"/>
-          <p:cNvSpPr txBox="1"/>
-          <p:nvPr/>
-        </p:nvSpPr>
-        <p:spPr>
-          <a:xfrm>
-            <a:off x="0" y="4901453"/>
-            <a:ext cx="8458200" cy="230832"/>
-          </a:xfrm>
-          <a:prstGeom prst="rect">
-            <a:avLst/>
-          </a:prstGeom>
-          <a:noFill/>
-        </p:spPr>
-        <p:txBody>
-          <a:bodyPr wrap="square" rtlCol="0">
-            <a:spAutoFit/>
-          </a:bodyPr>
-          <a:lstStyle/>
-          <a:p>
-            <a:r>
-              <a:rPr lang="en-US" sz="900" dirty="0">
-                <a:solidFill>
-                  <a:schemeClr val="bg1"/>
-                </a:solidFill>
-              </a:rPr>
-              <a:t>NOTE: X-AXIS SHOWN ON LOG BASE 10 SCALE</a:t>
-            </a:r>
-          </a:p>
-        </p:txBody>
-      </p:sp>
-      <p:pic>
-        <p:nvPicPr>
-          <p:cNvPr id="7" name="Picture 6">
-            <a:extLst>
-              <a:ext uri="{FF2B5EF4-FFF2-40B4-BE49-F238E27FC236}">
-                <a16:creationId xmlns:a16="http://schemas.microsoft.com/office/drawing/2014/main" id="{7AD177BB-C5F5-4346-AB60-1776B1ACB004}"/>
-              </a:ext>
-            </a:extLst>
-          </p:cNvPr>
-          <p:cNvPicPr>
-            <a:picLocks noChangeAspect="1"/>
-          </p:cNvPicPr>
-          <p:nvPr/>
-        </p:nvPicPr>
-        <p:blipFill>
-          <a:blip r:embed="rId2">
-            <a:extLst>
-              <a:ext uri="{28A0092B-C50C-407E-A947-70E740481C1C}">
-                <a14:useLocalDpi xmlns:a14="http://schemas.microsoft.com/office/drawing/2010/main" val="0"/>
-              </a:ext>
-            </a:extLst>
-          </a:blip>
-          <a:stretch>
-            <a:fillRect/>
-          </a:stretch>
-        </p:blipFill>
-        <p:spPr>
-          <a:xfrm>
-            <a:off x="0" y="1657350"/>
-            <a:ext cx="9144000" cy="1828800"/>
-          </a:xfrm>
-          <a:prstGeom prst="rect">
-            <a:avLst/>
-          </a:prstGeom>
-        </p:spPr>
-      </p:pic>
-    </p:spTree>
-    <p:extLst>
-      <p:ext uri="{BB962C8B-B14F-4D97-AF65-F5344CB8AC3E}">
-        <p14:creationId xmlns:p14="http://schemas.microsoft.com/office/powerpoint/2010/main" val="167675587"/>
-      </p:ext>
-    </p:extLst>
-  </p:cSld>
-  <p:clrMapOvr>
-    <a:masterClrMapping/>
-  </p:clrMapOvr>
-  <p:transition>
-    <p:fade/>
-  </p:transition>
+  <p:timing>
+    <p:tnLst>
+      <p:par>
+        <p:cTn id="1" dur="indefinite" restart="never" nodeType="tmRoot"/>
+      </p:par>
+    </p:tnLst>
+  </p:timing>
 </p:sld>
 </file>
 
@@ -21203,7 +21291,7 @@
           <a:p>
             <a:r>
               <a:rPr lang="en-US" dirty="0"/>
-              <a:t>Certainty Strata - Inventory</a:t>
+              <a:t>Data Exploration – Inventory</a:t>
             </a:r>
           </a:p>
         </p:txBody>
@@ -21216,8 +21304,8 @@
         </p:nvSpPr>
         <p:spPr>
           <a:xfrm>
-            <a:off x="134471" y="3455894"/>
-            <a:ext cx="8841441" cy="923330"/>
+            <a:off x="185853" y="3716448"/>
+            <a:ext cx="8816897" cy="1569660"/>
           </a:xfrm>
           <a:prstGeom prst="rect">
             <a:avLst/>
@@ -21232,28 +21320,39 @@
           <a:p>
             <a:pPr algn="ctr"/>
             <a:r>
-              <a:rPr lang="en-US" dirty="0">
+              <a:rPr lang="en-US" sz="2400" dirty="0">
                 <a:solidFill>
                   <a:schemeClr val="bg1"/>
                 </a:solidFill>
               </a:rPr>
-              <a:t>16 Companies Comprise 20% of Overall Total Sales of all 9,762 Companies</a:t>
+              <a:t>Mean: 179774.1</a:t>
             </a:r>
           </a:p>
           <a:p>
             <a:pPr algn="ctr"/>
             <a:r>
-              <a:rPr lang="en-US" dirty="0">
+              <a:rPr lang="en-US" sz="2400" dirty="0">
                 <a:solidFill>
                   <a:schemeClr val="bg1"/>
                 </a:solidFill>
               </a:rPr>
-              <a:t>0.1% of all Companies</a:t>
+              <a:t>Median: 55629.19</a:t>
             </a:r>
           </a:p>
           <a:p>
             <a:pPr algn="ctr"/>
-            <a:endParaRPr lang="en-US" dirty="0">
+            <a:r>
+              <a:rPr lang="en-US" sz="2400" dirty="0">
+                <a:solidFill>
+                  <a:schemeClr val="bg1"/>
+                </a:solidFill>
+              </a:rPr>
+              <a:t>Long Tails in Both Ranges – From &lt;8000 to &gt;12Mil</a:t>
+            </a:r>
+          </a:p>
+          <a:p>
+            <a:pPr algn="ctr"/>
+            <a:endParaRPr lang="en-US" sz="2400" dirty="0">
               <a:solidFill>
                 <a:schemeClr val="bg1"/>
               </a:solidFill>
@@ -21261,21 +21360,52 @@
           </a:p>
         </p:txBody>
       </p:sp>
+      <p:sp>
+        <p:nvSpPr>
+          <p:cNvPr id="6" name="TextBox 5"/>
+          <p:cNvSpPr txBox="1"/>
+          <p:nvPr/>
+        </p:nvSpPr>
+        <p:spPr>
+          <a:xfrm>
+            <a:off x="0" y="4901453"/>
+            <a:ext cx="8458200" cy="230832"/>
+          </a:xfrm>
+          <a:prstGeom prst="rect">
+            <a:avLst/>
+          </a:prstGeom>
+          <a:noFill/>
+        </p:spPr>
+        <p:txBody>
+          <a:bodyPr wrap="square" rtlCol="0">
+            <a:spAutoFit/>
+          </a:bodyPr>
+          <a:lstStyle/>
+          <a:p>
+            <a:r>
+              <a:rPr lang="en-US" sz="900" dirty="0">
+                <a:solidFill>
+                  <a:schemeClr val="bg1"/>
+                </a:solidFill>
+              </a:rPr>
+              <a:t>NOTE: X-AXIS SHOWN ON LOG BASE 10 SCALE</a:t>
+            </a:r>
+          </a:p>
+        </p:txBody>
+      </p:sp>
       <p:pic>
         <p:nvPicPr>
-          <p:cNvPr id="9" name="Content Placeholder 8">
+          <p:cNvPr id="7" name="Picture 6">
             <a:extLst>
               <a:ext uri="{FF2B5EF4-FFF2-40B4-BE49-F238E27FC236}">
-                <a16:creationId xmlns:a16="http://schemas.microsoft.com/office/drawing/2014/main" id="{D6BDE974-AEE9-AC4B-B3BD-5E6EFC9507F5}"/>
+                <a16:creationId xmlns:a16="http://schemas.microsoft.com/office/drawing/2014/main" id="{7AD177BB-C5F5-4346-AB60-1776B1ACB004}"/>
               </a:ext>
             </a:extLst>
           </p:cNvPr>
           <p:cNvPicPr>
-            <a:picLocks noGrp="1" noChangeAspect="1"/>
+            <a:picLocks noChangeAspect="1"/>
           </p:cNvPicPr>
-          <p:nvPr>
-            <p:ph idx="1"/>
-          </p:nvPr>
+          <p:nvPr/>
         </p:nvPicPr>
         <p:blipFill>
           <a:blip r:embed="rId2">
@@ -21291,8 +21421,8 @@
         </p:blipFill>
         <p:spPr>
           <a:xfrm>
-            <a:off x="317500" y="1519822"/>
-            <a:ext cx="8556625" cy="1711325"/>
+            <a:off x="0" y="1657350"/>
+            <a:ext cx="9144000" cy="1828800"/>
           </a:xfrm>
           <a:prstGeom prst="rect">
             <a:avLst/>
@@ -21302,7 +21432,7 @@
     </p:spTree>
     <p:extLst>
       <p:ext uri="{BB962C8B-B14F-4D97-AF65-F5344CB8AC3E}">
-        <p14:creationId xmlns:p14="http://schemas.microsoft.com/office/powerpoint/2010/main" val="2370471185"/>
+        <p14:creationId xmlns:p14="http://schemas.microsoft.com/office/powerpoint/2010/main" val="167675587"/>
       </p:ext>
     </p:extLst>
   </p:cSld>
@@ -22323,9 +22453,12 @@
 </file>
 
 <file path=customXml/item1.xml><?xml version="1.0" encoding="utf-8"?>
-<p:properties xmlns:p="http://schemas.microsoft.com/office/2006/metadata/properties" xmlns:xsi="http://www.w3.org/2001/XMLSchema-instance" xmlns:pc="http://schemas.microsoft.com/office/infopath/2007/PartnerControls">
-  <documentManagement/>
-</p:properties>
+<?mso-contentType ?>
+<FormTemplates xmlns="http://schemas.microsoft.com/sharepoint/v3/contenttype/forms">
+  <Display>DocumentLibraryForm</Display>
+  <Edit>DocumentLibraryForm</Edit>
+  <New>DocumentLibraryForm</New>
+</FormTemplates>
 </file>
 
 <file path=customXml/item2.xml><?xml version="1.0" encoding="utf-8"?>
@@ -22443,25 +22576,15 @@
 </file>
 
 <file path=customXml/item3.xml><?xml version="1.0" encoding="utf-8"?>
-<?mso-contentType ?>
-<FormTemplates xmlns="http://schemas.microsoft.com/sharepoint/v3/contenttype/forms">
-  <Display>DocumentLibraryForm</Display>
-  <Edit>DocumentLibraryForm</Edit>
-  <New>DocumentLibraryForm</New>
-</FormTemplates>
+<p:properties xmlns:p="http://schemas.microsoft.com/office/2006/metadata/properties" xmlns:xsi="http://www.w3.org/2001/XMLSchema-instance" xmlns:pc="http://schemas.microsoft.com/office/infopath/2007/PartnerControls">
+  <documentManagement/>
+</p:properties>
 </file>
 
 <file path=customXml/itemProps1.xml><?xml version="1.0" encoding="utf-8"?>
-<ds:datastoreItem xmlns:ds="http://schemas.openxmlformats.org/officeDocument/2006/customXml" ds:itemID="{7F30D25C-2B8C-4E8E-A3EA-861E33399DB6}">
+<ds:datastoreItem xmlns:ds="http://schemas.openxmlformats.org/officeDocument/2006/customXml" ds:itemID="{09C28EF2-5F72-4F36-9FAB-E29A52179F4E}">
   <ds:schemaRefs>
-    <ds:schemaRef ds:uri="http://purl.org/dc/terms/"/>
-    <ds:schemaRef ds:uri="http://schemas.openxmlformats.org/package/2006/metadata/core-properties"/>
-    <ds:schemaRef ds:uri="http://schemas.microsoft.com/office/2006/documentManagement/types"/>
-    <ds:schemaRef ds:uri="http://schemas.microsoft.com/office/infopath/2007/PartnerControls"/>
-    <ds:schemaRef ds:uri="http://purl.org/dc/elements/1.1/"/>
-    <ds:schemaRef ds:uri="http://schemas.microsoft.com/office/2006/metadata/properties"/>
-    <ds:schemaRef ds:uri="http://www.w3.org/XML/1998/namespace"/>
-    <ds:schemaRef ds:uri="http://purl.org/dc/dcmitype/"/>
+    <ds:schemaRef ds:uri="http://schemas.microsoft.com/sharepoint/v3/contenttype/forms"/>
   </ds:schemaRefs>
 </ds:datastoreItem>
 </file>
@@ -22483,9 +22606,16 @@
 </file>
 
 <file path=customXml/itemProps3.xml><?xml version="1.0" encoding="utf-8"?>
-<ds:datastoreItem xmlns:ds="http://schemas.openxmlformats.org/officeDocument/2006/customXml" ds:itemID="{09C28EF2-5F72-4F36-9FAB-E29A52179F4E}">
+<ds:datastoreItem xmlns:ds="http://schemas.openxmlformats.org/officeDocument/2006/customXml" ds:itemID="{7F30D25C-2B8C-4E8E-A3EA-861E33399DB6}">
   <ds:schemaRefs>
-    <ds:schemaRef ds:uri="http://schemas.microsoft.com/sharepoint/v3/contenttype/forms"/>
+    <ds:schemaRef ds:uri="http://purl.org/dc/terms/"/>
+    <ds:schemaRef ds:uri="http://schemas.openxmlformats.org/package/2006/metadata/core-properties"/>
+    <ds:schemaRef ds:uri="http://schemas.microsoft.com/office/2006/documentManagement/types"/>
+    <ds:schemaRef ds:uri="http://schemas.microsoft.com/office/infopath/2007/PartnerControls"/>
+    <ds:schemaRef ds:uri="http://purl.org/dc/elements/1.1/"/>
+    <ds:schemaRef ds:uri="http://schemas.microsoft.com/office/2006/metadata/properties"/>
+    <ds:schemaRef ds:uri="http://www.w3.org/XML/1998/namespace"/>
+    <ds:schemaRef ds:uri="http://purl.org/dc/dcmitype/"/>
   </ds:schemaRefs>
 </ds:datastoreItem>
 </file>
--- a/presentation - Sales.pptx
+++ b/presentation - Sales.pptx
@@ -278,7 +278,7 @@
             <a:fld id="{05E48B40-F575-F045-AF98-7241656AD336}" type="datetimeFigureOut">
               <a:rPr lang="en-US" smtClean="0"/>
               <a:pPr/>
-              <a:t>4/5/2018</a:t>
+              <a:t>4/5/18</a:t>
             </a:fld>
             <a:endParaRPr lang="en-US"/>
           </a:p>
@@ -445,7 +445,7 @@
             <a:fld id="{5503108B-28A2-4A1F-97E4-23F53BEF9B1F}" type="datetimeFigureOut">
               <a:rPr lang="en-US" smtClean="0"/>
               <a:pPr/>
-              <a:t>4/5/2018</a:t>
+              <a:t>4/5/18</a:t>
             </a:fld>
             <a:endParaRPr lang="en-US"/>
           </a:p>
@@ -17729,13 +17729,6 @@
   <p:transition>
     <p:fade/>
   </p:transition>
-  <p:timing>
-    <p:tnLst>
-      <p:par>
-        <p:cTn id="1" dur="indefinite" restart="never" nodeType="tmRoot"/>
-      </p:par>
-    </p:tnLst>
-  </p:timing>
 </p:sld>
 </file>
 
@@ -18205,13 +18198,6 @@
   <p:transition>
     <p:fade/>
   </p:transition>
-  <p:timing>
-    <p:tnLst>
-      <p:par>
-        <p:cTn id="1" dur="indefinite" restart="never" nodeType="tmRoot"/>
-      </p:par>
-    </p:tnLst>
-  </p:timing>
 </p:sld>
 </file>
 
@@ -18659,8 +18645,21 @@
         </p:nvSpPr>
         <p:spPr/>
         <p:txBody>
-          <a:bodyPr/>
+          <a:bodyPr>
+            <a:normAutofit fontScale="92500" lnSpcReduction="10000"/>
+          </a:bodyPr>
           <a:lstStyle/>
+          <a:p>
+            <a:r>
+              <a:rPr lang="en-US" dirty="0"/>
+              <a:t>Using a simple random sample for this disproportionately skewed dataset provided estimates far away from the </a:t>
+            </a:r>
+            <a:r>
+              <a:rPr lang="en-US"/>
+              <a:t>true values</a:t>
+            </a:r>
+            <a:endParaRPr lang="en-US" dirty="0"/>
+          </a:p>
           <a:p>
             <a:r>
               <a:rPr lang="en-US" dirty="0"/>
@@ -21072,13 +21071,6 @@
   <p:transition>
     <p:fade/>
   </p:transition>
-  <p:timing>
-    <p:tnLst>
-      <p:par>
-        <p:cTn id="1" dur="indefinite" restart="never" nodeType="tmRoot"/>
-      </p:par>
-    </p:tnLst>
-  </p:timing>
 </p:sld>
 </file>
 
@@ -21115,10 +21107,9 @@
           <a:lstStyle/>
           <a:p>
             <a:r>
-              <a:rPr lang="en-US" dirty="0" smtClean="0"/>
+              <a:rPr lang="en-US" dirty="0"/>
               <a:t>Simple Random Sample, No Stratification</a:t>
             </a:r>
-            <a:endParaRPr lang="en-US" dirty="0"/>
           </a:p>
         </p:txBody>
       </p:sp>
@@ -21138,20 +21129,20 @@
           <a:lstStyle/>
           <a:p>
             <a:r>
-              <a:rPr lang="en-US" dirty="0" smtClean="0"/>
+              <a:rPr lang="en-US" dirty="0"/>
               <a:t>Mean: $123,775</a:t>
             </a:r>
           </a:p>
           <a:p>
             <a:pPr lvl="1"/>
             <a:r>
-              <a:rPr lang="en-US" dirty="0" smtClean="0"/>
+              <a:rPr lang="en-US" dirty="0"/>
               <a:t>Under estimates the mean by about $20,000 * More than 9,000 Observations</a:t>
             </a:r>
           </a:p>
           <a:p>
             <a:r>
-              <a:rPr lang="en-US" dirty="0" smtClean="0"/>
+              <a:rPr lang="en-US" dirty="0"/>
               <a:t>Estimate of the Population: $61,887,665</a:t>
             </a:r>
           </a:p>
@@ -21173,13 +21164,6 @@
   <p:transition>
     <p:fade/>
   </p:transition>
-  <p:timing>
-    <p:tnLst>
-      <p:par>
-        <p:cTn id="1" dur="indefinite" restart="never" nodeType="tmRoot"/>
-      </p:par>
-    </p:tnLst>
-  </p:timing>
 </p:sld>
 </file>
 
@@ -21247,13 +21231,6 @@
   <p:transition>
     <p:fade/>
   </p:transition>
-  <p:timing>
-    <p:tnLst>
-      <p:par>
-        <p:cTn id="1" dur="indefinite" restart="never" nodeType="tmRoot"/>
-      </p:par>
-    </p:tnLst>
-  </p:timing>
 </p:sld>
 </file>
 
@@ -22453,12 +22430,9 @@
 </file>
 
 <file path=customXml/item1.xml><?xml version="1.0" encoding="utf-8"?>
-<?mso-contentType ?>
-<FormTemplates xmlns="http://schemas.microsoft.com/sharepoint/v3/contenttype/forms">
-  <Display>DocumentLibraryForm</Display>
-  <Edit>DocumentLibraryForm</Edit>
-  <New>DocumentLibraryForm</New>
-</FormTemplates>
+<p:properties xmlns:p="http://schemas.microsoft.com/office/2006/metadata/properties" xmlns:xsi="http://www.w3.org/2001/XMLSchema-instance" xmlns:pc="http://schemas.microsoft.com/office/infopath/2007/PartnerControls">
+  <documentManagement/>
+</p:properties>
 </file>
 
 <file path=customXml/item2.xml><?xml version="1.0" encoding="utf-8"?>
@@ -22576,15 +22550,25 @@
 </file>
 
 <file path=customXml/item3.xml><?xml version="1.0" encoding="utf-8"?>
-<p:properties xmlns:p="http://schemas.microsoft.com/office/2006/metadata/properties" xmlns:xsi="http://www.w3.org/2001/XMLSchema-instance" xmlns:pc="http://schemas.microsoft.com/office/infopath/2007/PartnerControls">
-  <documentManagement/>
-</p:properties>
+<?mso-contentType ?>
+<FormTemplates xmlns="http://schemas.microsoft.com/sharepoint/v3/contenttype/forms">
+  <Display>DocumentLibraryForm</Display>
+  <Edit>DocumentLibraryForm</Edit>
+  <New>DocumentLibraryForm</New>
+</FormTemplates>
 </file>
 
 <file path=customXml/itemProps1.xml><?xml version="1.0" encoding="utf-8"?>
-<ds:datastoreItem xmlns:ds="http://schemas.openxmlformats.org/officeDocument/2006/customXml" ds:itemID="{09C28EF2-5F72-4F36-9FAB-E29A52179F4E}">
+<ds:datastoreItem xmlns:ds="http://schemas.openxmlformats.org/officeDocument/2006/customXml" ds:itemID="{7F30D25C-2B8C-4E8E-A3EA-861E33399DB6}">
   <ds:schemaRefs>
-    <ds:schemaRef ds:uri="http://schemas.microsoft.com/sharepoint/v3/contenttype/forms"/>
+    <ds:schemaRef ds:uri="http://purl.org/dc/terms/"/>
+    <ds:schemaRef ds:uri="http://schemas.openxmlformats.org/package/2006/metadata/core-properties"/>
+    <ds:schemaRef ds:uri="http://schemas.microsoft.com/office/2006/documentManagement/types"/>
+    <ds:schemaRef ds:uri="http://schemas.microsoft.com/office/infopath/2007/PartnerControls"/>
+    <ds:schemaRef ds:uri="http://purl.org/dc/elements/1.1/"/>
+    <ds:schemaRef ds:uri="http://schemas.microsoft.com/office/2006/metadata/properties"/>
+    <ds:schemaRef ds:uri="http://www.w3.org/XML/1998/namespace"/>
+    <ds:schemaRef ds:uri="http://purl.org/dc/dcmitype/"/>
   </ds:schemaRefs>
 </ds:datastoreItem>
 </file>
@@ -22606,16 +22590,9 @@
 </file>
 
 <file path=customXml/itemProps3.xml><?xml version="1.0" encoding="utf-8"?>
-<ds:datastoreItem xmlns:ds="http://schemas.openxmlformats.org/officeDocument/2006/customXml" ds:itemID="{7F30D25C-2B8C-4E8E-A3EA-861E33399DB6}">
+<ds:datastoreItem xmlns:ds="http://schemas.openxmlformats.org/officeDocument/2006/customXml" ds:itemID="{09C28EF2-5F72-4F36-9FAB-E29A52179F4E}">
   <ds:schemaRefs>
-    <ds:schemaRef ds:uri="http://purl.org/dc/terms/"/>
-    <ds:schemaRef ds:uri="http://schemas.openxmlformats.org/package/2006/metadata/core-properties"/>
-    <ds:schemaRef ds:uri="http://schemas.microsoft.com/office/2006/documentManagement/types"/>
-    <ds:schemaRef ds:uri="http://schemas.microsoft.com/office/infopath/2007/PartnerControls"/>
-    <ds:schemaRef ds:uri="http://purl.org/dc/elements/1.1/"/>
-    <ds:schemaRef ds:uri="http://schemas.microsoft.com/office/2006/metadata/properties"/>
-    <ds:schemaRef ds:uri="http://www.w3.org/XML/1998/namespace"/>
-    <ds:schemaRef ds:uri="http://purl.org/dc/dcmitype/"/>
+    <ds:schemaRef ds:uri="http://schemas.microsoft.com/sharepoint/v3/contenttype/forms"/>
   </ds:schemaRefs>
 </ds:datastoreItem>
 </file>